--- a/surface1.pptx
+++ b/surface1.pptx
@@ -106,6 +106,11 @@
       </a:defRPr>
     </a:lvl9pPr>
   </p:defaultTextStyle>
+  <p:extLst>
+    <p:ext uri="{EFAFB233-063F-42B5-8137-9DF3F51BA10A}">
+      <p15:sldGuideLst xmlns:p15="http://schemas.microsoft.com/office/powerpoint/2012/main"/>
+    </p:ext>
+  </p:extLst>
 </p:presentation>
 </file>
 
@@ -154,7 +159,6 @@
               <a:rPr lang="pl-PL"/>
               <a:t>Kliknij, aby edytować styl</a:t>
             </a:r>
-            <a:endParaRPr lang="pl-PL"/>
           </a:p>
         </p:txBody>
       </p:sp>
@@ -219,7 +223,6 @@
               <a:rPr lang="pl-PL"/>
               <a:t>Kliknij, aby edytować styl wzorca podtytułu</a:t>
             </a:r>
-            <a:endParaRPr lang="pl-PL"/>
           </a:p>
         </p:txBody>
       </p:sp>
@@ -240,7 +243,7 @@
           <a:p>
             <a:fld id="{A8D9566E-7084-49D7-BF20-42B122A5BA1D}" type="datetimeFigureOut">
               <a:rPr lang="pl-PL" smtClean="0"/>
-              <a:t>2017-01-07</a:t>
+              <a:t>2017-01-08</a:t>
             </a:fld>
             <a:endParaRPr lang="pl-PL"/>
           </a:p>
@@ -337,7 +340,6 @@
               <a:rPr lang="pl-PL"/>
               <a:t>Kliknij, aby edytować styl</a:t>
             </a:r>
-            <a:endParaRPr lang="pl-PL"/>
           </a:p>
         </p:txBody>
       </p:sp>
@@ -389,7 +391,6 @@
               <a:rPr lang="pl-PL"/>
               <a:t>Piąty poziom</a:t>
             </a:r>
-            <a:endParaRPr lang="pl-PL"/>
           </a:p>
         </p:txBody>
       </p:sp>
@@ -410,7 +411,7 @@
           <a:p>
             <a:fld id="{A8D9566E-7084-49D7-BF20-42B122A5BA1D}" type="datetimeFigureOut">
               <a:rPr lang="pl-PL" smtClean="0"/>
-              <a:t>2017-01-07</a:t>
+              <a:t>2017-01-08</a:t>
             </a:fld>
             <a:endParaRPr lang="pl-PL"/>
           </a:p>
@@ -512,7 +513,6 @@
               <a:rPr lang="pl-PL"/>
               <a:t>Kliknij, aby edytować styl</a:t>
             </a:r>
-            <a:endParaRPr lang="pl-PL"/>
           </a:p>
         </p:txBody>
       </p:sp>
@@ -569,7 +569,6 @@
               <a:rPr lang="pl-PL"/>
               <a:t>Piąty poziom</a:t>
             </a:r>
-            <a:endParaRPr lang="pl-PL"/>
           </a:p>
         </p:txBody>
       </p:sp>
@@ -590,7 +589,7 @@
           <a:p>
             <a:fld id="{A8D9566E-7084-49D7-BF20-42B122A5BA1D}" type="datetimeFigureOut">
               <a:rPr lang="pl-PL" smtClean="0"/>
-              <a:t>2017-01-07</a:t>
+              <a:t>2017-01-08</a:t>
             </a:fld>
             <a:endParaRPr lang="pl-PL"/>
           </a:p>
@@ -687,7 +686,6 @@
               <a:rPr lang="pl-PL"/>
               <a:t>Kliknij, aby edytować styl</a:t>
             </a:r>
-            <a:endParaRPr lang="pl-PL"/>
           </a:p>
         </p:txBody>
       </p:sp>
@@ -739,7 +737,6 @@
               <a:rPr lang="pl-PL"/>
               <a:t>Piąty poziom</a:t>
             </a:r>
-            <a:endParaRPr lang="pl-PL"/>
           </a:p>
         </p:txBody>
       </p:sp>
@@ -760,7 +757,7 @@
           <a:p>
             <a:fld id="{A8D9566E-7084-49D7-BF20-42B122A5BA1D}" type="datetimeFigureOut">
               <a:rPr lang="pl-PL" smtClean="0"/>
-              <a:t>2017-01-07</a:t>
+              <a:t>2017-01-08</a:t>
             </a:fld>
             <a:endParaRPr lang="pl-PL"/>
           </a:p>
@@ -866,7 +863,6 @@
               <a:rPr lang="pl-PL"/>
               <a:t>Kliknij, aby edytować styl</a:t>
             </a:r>
-            <a:endParaRPr lang="pl-PL"/>
           </a:p>
         </p:txBody>
       </p:sp>
@@ -1006,7 +1002,7 @@
           <a:p>
             <a:fld id="{A8D9566E-7084-49D7-BF20-42B122A5BA1D}" type="datetimeFigureOut">
               <a:rPr lang="pl-PL" smtClean="0"/>
-              <a:t>2017-01-07</a:t>
+              <a:t>2017-01-08</a:t>
             </a:fld>
             <a:endParaRPr lang="pl-PL"/>
           </a:p>
@@ -1103,7 +1099,6 @@
               <a:rPr lang="pl-PL"/>
               <a:t>Kliknij, aby edytować styl</a:t>
             </a:r>
-            <a:endParaRPr lang="pl-PL"/>
           </a:p>
         </p:txBody>
       </p:sp>
@@ -1160,7 +1155,6 @@
               <a:rPr lang="pl-PL"/>
               <a:t>Piąty poziom</a:t>
             </a:r>
-            <a:endParaRPr lang="pl-PL"/>
           </a:p>
         </p:txBody>
       </p:sp>
@@ -1217,7 +1211,6 @@
               <a:rPr lang="pl-PL"/>
               <a:t>Piąty poziom</a:t>
             </a:r>
-            <a:endParaRPr lang="pl-PL"/>
           </a:p>
         </p:txBody>
       </p:sp>
@@ -1238,7 +1231,7 @@
           <a:p>
             <a:fld id="{A8D9566E-7084-49D7-BF20-42B122A5BA1D}" type="datetimeFigureOut">
               <a:rPr lang="pl-PL" smtClean="0"/>
-              <a:t>2017-01-07</a:t>
+              <a:t>2017-01-08</a:t>
             </a:fld>
             <a:endParaRPr lang="pl-PL"/>
           </a:p>
@@ -1340,7 +1333,6 @@
               <a:rPr lang="pl-PL"/>
               <a:t>Kliknij, aby edytować styl</a:t>
             </a:r>
-            <a:endParaRPr lang="pl-PL"/>
           </a:p>
         </p:txBody>
       </p:sp>
@@ -1462,7 +1454,6 @@
               <a:rPr lang="pl-PL"/>
               <a:t>Piąty poziom</a:t>
             </a:r>
-            <a:endParaRPr lang="pl-PL"/>
           </a:p>
         </p:txBody>
       </p:sp>
@@ -1584,7 +1575,6 @@
               <a:rPr lang="pl-PL"/>
               <a:t>Piąty poziom</a:t>
             </a:r>
-            <a:endParaRPr lang="pl-PL"/>
           </a:p>
         </p:txBody>
       </p:sp>
@@ -1605,7 +1595,7 @@
           <a:p>
             <a:fld id="{A8D9566E-7084-49D7-BF20-42B122A5BA1D}" type="datetimeFigureOut">
               <a:rPr lang="pl-PL" smtClean="0"/>
-              <a:t>2017-01-07</a:t>
+              <a:t>2017-01-08</a:t>
             </a:fld>
             <a:endParaRPr lang="pl-PL"/>
           </a:p>
@@ -1702,7 +1692,6 @@
               <a:rPr lang="pl-PL"/>
               <a:t>Kliknij, aby edytować styl</a:t>
             </a:r>
-            <a:endParaRPr lang="pl-PL"/>
           </a:p>
         </p:txBody>
       </p:sp>
@@ -1723,7 +1712,7 @@
           <a:p>
             <a:fld id="{A8D9566E-7084-49D7-BF20-42B122A5BA1D}" type="datetimeFigureOut">
               <a:rPr lang="pl-PL" smtClean="0"/>
-              <a:t>2017-01-07</a:t>
+              <a:t>2017-01-08</a:t>
             </a:fld>
             <a:endParaRPr lang="pl-PL"/>
           </a:p>
@@ -1818,7 +1807,7 @@
           <a:p>
             <a:fld id="{A8D9566E-7084-49D7-BF20-42B122A5BA1D}" type="datetimeFigureOut">
               <a:rPr lang="pl-PL" smtClean="0"/>
-              <a:t>2017-01-07</a:t>
+              <a:t>2017-01-08</a:t>
             </a:fld>
             <a:endParaRPr lang="pl-PL"/>
           </a:p>
@@ -1924,7 +1913,6 @@
               <a:rPr lang="pl-PL"/>
               <a:t>Kliknij, aby edytować styl</a:t>
             </a:r>
-            <a:endParaRPr lang="pl-PL"/>
           </a:p>
         </p:txBody>
       </p:sp>
@@ -2009,7 +1997,6 @@
               <a:rPr lang="pl-PL"/>
               <a:t>Piąty poziom</a:t>
             </a:r>
-            <a:endParaRPr lang="pl-PL"/>
           </a:p>
         </p:txBody>
       </p:sp>
@@ -2095,7 +2082,7 @@
           <a:p>
             <a:fld id="{A8D9566E-7084-49D7-BF20-42B122A5BA1D}" type="datetimeFigureOut">
               <a:rPr lang="pl-PL" smtClean="0"/>
-              <a:t>2017-01-07</a:t>
+              <a:t>2017-01-08</a:t>
             </a:fld>
             <a:endParaRPr lang="pl-PL"/>
           </a:p>
@@ -2201,7 +2188,6 @@
               <a:rPr lang="pl-PL"/>
               <a:t>Kliknij, aby edytować styl</a:t>
             </a:r>
-            <a:endParaRPr lang="pl-PL"/>
           </a:p>
         </p:txBody>
       </p:sp>
@@ -2348,7 +2334,7 @@
           <a:p>
             <a:fld id="{A8D9566E-7084-49D7-BF20-42B122A5BA1D}" type="datetimeFigureOut">
               <a:rPr lang="pl-PL" smtClean="0"/>
-              <a:t>2017-01-07</a:t>
+              <a:t>2017-01-08</a:t>
             </a:fld>
             <a:endParaRPr lang="pl-PL"/>
           </a:p>
@@ -2460,7 +2446,6 @@
               <a:rPr lang="pl-PL"/>
               <a:t>Kliknij, aby edytować styl</a:t>
             </a:r>
-            <a:endParaRPr lang="pl-PL"/>
           </a:p>
         </p:txBody>
       </p:sp>
@@ -2522,7 +2507,6 @@
               <a:rPr lang="pl-PL"/>
               <a:t>Piąty poziom</a:t>
             </a:r>
-            <a:endParaRPr lang="pl-PL"/>
           </a:p>
         </p:txBody>
       </p:sp>
@@ -2561,7 +2545,7 @@
           <a:p>
             <a:fld id="{A8D9566E-7084-49D7-BF20-42B122A5BA1D}" type="datetimeFigureOut">
               <a:rPr lang="pl-PL" smtClean="0"/>
-              <a:t>2017-01-07</a:t>
+              <a:t>2017-01-08</a:t>
             </a:fld>
             <a:endParaRPr lang="pl-PL"/>
           </a:p>
@@ -7352,8 +7336,8 @@
         </p:nvSpPr>
         <p:spPr>
           <a:xfrm>
-            <a:off x="5934075" y="2381248"/>
-            <a:ext cx="567784" cy="369332"/>
+            <a:off x="5709505" y="2356126"/>
+            <a:ext cx="450764" cy="369332"/>
           </a:xfrm>
           <a:prstGeom prst="rect">
             <a:avLst/>
@@ -7371,8 +7355,8 @@
               <a:t>Δ</a:t>
             </a:r>
             <a:r>
-              <a:rPr lang="el-GR" dirty="0"/>
-              <a:t>Φ</a:t>
+              <a:rPr lang="pl-PL" dirty="0"/>
+              <a:t>I</a:t>
             </a:r>
             <a:r>
               <a:rPr lang="pl-PL" baseline="-25000" dirty="0"/>
@@ -7389,8 +7373,8 @@
         </p:nvSpPr>
         <p:spPr>
           <a:xfrm>
-            <a:off x="6455045" y="2343861"/>
-            <a:ext cx="567784" cy="369332"/>
+            <a:off x="6258761" y="2263259"/>
+            <a:ext cx="450764" cy="369332"/>
           </a:xfrm>
           <a:prstGeom prst="rect">
             <a:avLst/>
@@ -7408,8 +7392,8 @@
               <a:t>Δ</a:t>
             </a:r>
             <a:r>
-              <a:rPr lang="el-GR" dirty="0"/>
-              <a:t>Φ</a:t>
+              <a:rPr lang="pl-PL" dirty="0"/>
+              <a:t>I</a:t>
             </a:r>
             <a:r>
               <a:rPr lang="pl-PL" baseline="-25000" dirty="0"/>
@@ -7427,7 +7411,7 @@
         <p:spPr>
           <a:xfrm>
             <a:off x="5309652" y="3731714"/>
-            <a:ext cx="514885" cy="369332"/>
+            <a:ext cx="436338" cy="369332"/>
           </a:xfrm>
           <a:prstGeom prst="rect">
             <a:avLst/>
@@ -7448,10 +7432,7 @@
               <a:rPr lang="pl-PL" dirty="0"/>
               <a:t>p</a:t>
             </a:r>
-            <a:r>
-              <a:rPr lang="pl-PL" baseline="-25000" dirty="0"/>
-              <a:t>1</a:t>
-            </a:r>
+            <a:endParaRPr lang="pl-PL" baseline="-25000" dirty="0"/>
           </a:p>
         </p:txBody>
       </p:sp>
@@ -7488,6 +7469,259 @@
             <a:r>
               <a:rPr lang="pl-PL" baseline="-25000" dirty="0"/>
               <a:t>1</a:t>
+            </a:r>
+          </a:p>
+        </p:txBody>
+      </p:sp>
+      <p:sp>
+        <p:nvSpPr>
+          <p:cNvPr id="60" name="pole tekstowe 59"/>
+          <p:cNvSpPr txBox="1"/>
+          <p:nvPr/>
+        </p:nvSpPr>
+        <p:spPr>
+          <a:xfrm>
+            <a:off x="5335812" y="4399478"/>
+            <a:ext cx="436338" cy="369332"/>
+          </a:xfrm>
+          <a:prstGeom prst="rect">
+            <a:avLst/>
+          </a:prstGeom>
+          <a:noFill/>
+        </p:spPr>
+        <p:txBody>
+          <a:bodyPr wrap="none" rtlCol="0">
+            <a:spAutoFit/>
+          </a:bodyPr>
+          <a:lstStyle/>
+          <a:p>
+            <a:r>
+              <a:rPr lang="el-GR" dirty="0"/>
+              <a:t>Δ</a:t>
+            </a:r>
+            <a:r>
+              <a:rPr lang="pl-PL" dirty="0"/>
+              <a:t>p</a:t>
+            </a:r>
+            <a:endParaRPr lang="pl-PL" baseline="-25000" dirty="0"/>
+          </a:p>
+        </p:txBody>
+      </p:sp>
+      <p:sp>
+        <p:nvSpPr>
+          <p:cNvPr id="61" name="pole tekstowe 60"/>
+          <p:cNvSpPr txBox="1"/>
+          <p:nvPr/>
+        </p:nvSpPr>
+        <p:spPr>
+          <a:xfrm>
+            <a:off x="5347831" y="3076812"/>
+            <a:ext cx="436338" cy="369332"/>
+          </a:xfrm>
+          <a:prstGeom prst="rect">
+            <a:avLst/>
+          </a:prstGeom>
+          <a:noFill/>
+        </p:spPr>
+        <p:txBody>
+          <a:bodyPr wrap="none" rtlCol="0">
+            <a:spAutoFit/>
+          </a:bodyPr>
+          <a:lstStyle/>
+          <a:p>
+            <a:r>
+              <a:rPr lang="el-GR" dirty="0"/>
+              <a:t>Δ</a:t>
+            </a:r>
+            <a:r>
+              <a:rPr lang="pl-PL" dirty="0"/>
+              <a:t>p</a:t>
+            </a:r>
+            <a:endParaRPr lang="pl-PL" baseline="-25000" dirty="0"/>
+          </a:p>
+        </p:txBody>
+      </p:sp>
+      <p:sp>
+        <p:nvSpPr>
+          <p:cNvPr id="62" name="pole tekstowe 61"/>
+          <p:cNvSpPr txBox="1"/>
+          <p:nvPr/>
+        </p:nvSpPr>
+        <p:spPr>
+          <a:xfrm>
+            <a:off x="5811772" y="4952344"/>
+            <a:ext cx="473206" cy="369332"/>
+          </a:xfrm>
+          <a:prstGeom prst="rect">
+            <a:avLst/>
+          </a:prstGeom>
+          <a:noFill/>
+        </p:spPr>
+        <p:txBody>
+          <a:bodyPr wrap="none" rtlCol="0">
+            <a:spAutoFit/>
+          </a:bodyPr>
+          <a:lstStyle/>
+          <a:p>
+            <a:r>
+              <a:rPr lang="el-GR" dirty="0"/>
+              <a:t>Δ</a:t>
+            </a:r>
+            <a:r>
+              <a:rPr lang="pl-PL" dirty="0"/>
+              <a:t>r</a:t>
+            </a:r>
+            <a:r>
+              <a:rPr lang="pl-PL" baseline="-25000" dirty="0"/>
+              <a:t>2</a:t>
+            </a:r>
+          </a:p>
+        </p:txBody>
+      </p:sp>
+      <p:sp>
+        <p:nvSpPr>
+          <p:cNvPr id="63" name="pole tekstowe 62"/>
+          <p:cNvSpPr txBox="1"/>
+          <p:nvPr/>
+        </p:nvSpPr>
+        <p:spPr>
+          <a:xfrm>
+            <a:off x="6403844" y="4881600"/>
+            <a:ext cx="473206" cy="369332"/>
+          </a:xfrm>
+          <a:prstGeom prst="rect">
+            <a:avLst/>
+          </a:prstGeom>
+          <a:noFill/>
+        </p:spPr>
+        <p:txBody>
+          <a:bodyPr wrap="none" rtlCol="0">
+            <a:spAutoFit/>
+          </a:bodyPr>
+          <a:lstStyle/>
+          <a:p>
+            <a:r>
+              <a:rPr lang="el-GR" dirty="0"/>
+              <a:t>Δ</a:t>
+            </a:r>
+            <a:r>
+              <a:rPr lang="pl-PL" dirty="0"/>
+              <a:t>r</a:t>
+            </a:r>
+            <a:r>
+              <a:rPr lang="pl-PL" baseline="-25000" dirty="0"/>
+              <a:t>2</a:t>
+            </a:r>
+          </a:p>
+        </p:txBody>
+      </p:sp>
+      <p:sp>
+        <p:nvSpPr>
+          <p:cNvPr id="64" name="pole tekstowe 63"/>
+          <p:cNvSpPr txBox="1"/>
+          <p:nvPr/>
+        </p:nvSpPr>
+        <p:spPr>
+          <a:xfrm>
+            <a:off x="7022969" y="4749280"/>
+            <a:ext cx="473206" cy="369332"/>
+          </a:xfrm>
+          <a:prstGeom prst="rect">
+            <a:avLst/>
+          </a:prstGeom>
+          <a:noFill/>
+        </p:spPr>
+        <p:txBody>
+          <a:bodyPr wrap="none" rtlCol="0">
+            <a:spAutoFit/>
+          </a:bodyPr>
+          <a:lstStyle/>
+          <a:p>
+            <a:r>
+              <a:rPr lang="el-GR" dirty="0"/>
+              <a:t>Δ</a:t>
+            </a:r>
+            <a:r>
+              <a:rPr lang="pl-PL" dirty="0"/>
+              <a:t>r</a:t>
+            </a:r>
+            <a:r>
+              <a:rPr lang="pl-PL" baseline="-25000" dirty="0"/>
+              <a:t>2</a:t>
+            </a:r>
+          </a:p>
+        </p:txBody>
+      </p:sp>
+      <p:sp>
+        <p:nvSpPr>
+          <p:cNvPr id="65" name="pole tekstowe 64"/>
+          <p:cNvSpPr txBox="1"/>
+          <p:nvPr/>
+        </p:nvSpPr>
+        <p:spPr>
+          <a:xfrm>
+            <a:off x="6324600" y="4150279"/>
+            <a:ext cx="473206" cy="369332"/>
+          </a:xfrm>
+          <a:prstGeom prst="rect">
+            <a:avLst/>
+          </a:prstGeom>
+          <a:noFill/>
+        </p:spPr>
+        <p:txBody>
+          <a:bodyPr wrap="none" rtlCol="0">
+            <a:spAutoFit/>
+          </a:bodyPr>
+          <a:lstStyle/>
+          <a:p>
+            <a:r>
+              <a:rPr lang="el-GR" dirty="0"/>
+              <a:t>Δ</a:t>
+            </a:r>
+            <a:r>
+              <a:rPr lang="pl-PL" dirty="0"/>
+              <a:t>r</a:t>
+            </a:r>
+            <a:r>
+              <a:rPr lang="pl-PL" baseline="-25000" dirty="0"/>
+              <a:t>2</a:t>
+            </a:r>
+          </a:p>
+        </p:txBody>
+      </p:sp>
+      <p:sp>
+        <p:nvSpPr>
+          <p:cNvPr id="66" name="pole tekstowe 65"/>
+          <p:cNvSpPr txBox="1"/>
+          <p:nvPr/>
+        </p:nvSpPr>
+        <p:spPr>
+          <a:xfrm>
+            <a:off x="6891272" y="4059235"/>
+            <a:ext cx="473206" cy="369332"/>
+          </a:xfrm>
+          <a:prstGeom prst="rect">
+            <a:avLst/>
+          </a:prstGeom>
+          <a:noFill/>
+        </p:spPr>
+        <p:txBody>
+          <a:bodyPr wrap="none" rtlCol="0">
+            <a:spAutoFit/>
+          </a:bodyPr>
+          <a:lstStyle/>
+          <a:p>
+            <a:r>
+              <a:rPr lang="el-GR" dirty="0"/>
+              <a:t>Δ</a:t>
+            </a:r>
+            <a:r>
+              <a:rPr lang="pl-PL" dirty="0"/>
+              <a:t>r</a:t>
+            </a:r>
+            <a:r>
+              <a:rPr lang="pl-PL" baseline="-25000" dirty="0"/>
+              <a:t>2</a:t>
             </a:r>
           </a:p>
         </p:txBody>

--- a/surface1.pptx
+++ b/surface1.pptx
@@ -8,6 +8,7 @@
     <p:sldId id="256" r:id="rId2"/>
     <p:sldId id="257" r:id="rId3"/>
     <p:sldId id="258" r:id="rId4"/>
+    <p:sldId id="259" r:id="rId5"/>
   </p:sldIdLst>
   <p:sldSz cx="12192000" cy="6858000"/>
   <p:notesSz cx="6858000" cy="9144000"/>
@@ -7730,6 +7731,67 @@
     <p:extLst>
       <p:ext uri="{BB962C8B-B14F-4D97-AF65-F5344CB8AC3E}">
         <p14:creationId xmlns:p14="http://schemas.microsoft.com/office/powerpoint/2010/main" val="1354977459"/>
+      </p:ext>
+    </p:extLst>
+  </p:cSld>
+  <p:clrMapOvr>
+    <a:masterClrMapping/>
+  </p:clrMapOvr>
+</p:sld>
+</file>
+
+<file path=ppt/slides/slide4.xml><?xml version="1.0" encoding="utf-8"?>
+<p:sld xmlns:a="http://schemas.openxmlformats.org/drawingml/2006/main" xmlns:r="http://schemas.openxmlformats.org/officeDocument/2006/relationships" xmlns:p="http://schemas.openxmlformats.org/presentationml/2006/main">
+  <p:cSld>
+    <p:spTree>
+      <p:nvGrpSpPr>
+        <p:cNvPr id="1" name=""/>
+        <p:cNvGrpSpPr/>
+        <p:nvPr/>
+      </p:nvGrpSpPr>
+      <p:grpSpPr>
+        <a:xfrm>
+          <a:off x="0" y="0"/>
+          <a:ext cx="0" cy="0"/>
+          <a:chOff x="0" y="0"/>
+          <a:chExt cx="0" cy="0"/>
+        </a:xfrm>
+      </p:grpSpPr>
+      <p:cxnSp>
+        <p:nvCxnSpPr>
+          <p:cNvPr id="3" name="Łącznik prosty 2"/>
+          <p:cNvCxnSpPr/>
+          <p:nvPr/>
+        </p:nvCxnSpPr>
+        <p:spPr>
+          <a:xfrm>
+            <a:off x="958850" y="2247900"/>
+            <a:ext cx="0" cy="2952750"/>
+          </a:xfrm>
+          <a:prstGeom prst="line">
+            <a:avLst/>
+          </a:prstGeom>
+          <a:ln w="57150"/>
+        </p:spPr>
+        <p:style>
+          <a:lnRef idx="1">
+            <a:schemeClr val="accent1"/>
+          </a:lnRef>
+          <a:fillRef idx="0">
+            <a:schemeClr val="accent1"/>
+          </a:fillRef>
+          <a:effectRef idx="0">
+            <a:schemeClr val="accent1"/>
+          </a:effectRef>
+          <a:fontRef idx="minor">
+            <a:schemeClr val="tx1"/>
+          </a:fontRef>
+        </p:style>
+      </p:cxnSp>
+    </p:spTree>
+    <p:extLst>
+      <p:ext uri="{BB962C8B-B14F-4D97-AF65-F5344CB8AC3E}">
+        <p14:creationId xmlns:p14="http://schemas.microsoft.com/office/powerpoint/2010/main" val="1451352785"/>
       </p:ext>
     </p:extLst>
   </p:cSld>

--- a/surface1.pptx
+++ b/surface1.pptx
@@ -7757,21 +7757,1987 @@
           <a:chExt cx="0" cy="0"/>
         </a:xfrm>
       </p:grpSpPr>
+      <p:pic>
+        <p:nvPicPr>
+          <p:cNvPr id="4" name="Obraz 3"/>
+          <p:cNvPicPr>
+            <a:picLocks noChangeAspect="1"/>
+          </p:cNvPicPr>
+          <p:nvPr/>
+        </p:nvPicPr>
+        <p:blipFill>
+          <a:blip r:embed="rId2">
+            <a:extLst>
+              <a:ext uri="{28A0092B-C50C-407E-A947-70E740481C1C}">
+                <a14:useLocalDpi xmlns:a14="http://schemas.microsoft.com/office/drawing/2010/main" val="0"/>
+              </a:ext>
+            </a:extLst>
+          </a:blip>
+          <a:stretch>
+            <a:fillRect/>
+          </a:stretch>
+        </p:blipFill>
+        <p:spPr>
+          <a:xfrm>
+            <a:off x="2419350" y="1019175"/>
+            <a:ext cx="6858000" cy="6858000"/>
+          </a:xfrm>
+          <a:prstGeom prst="rect">
+            <a:avLst/>
+          </a:prstGeom>
+        </p:spPr>
+      </p:pic>
+      <p:sp>
+        <p:nvSpPr>
+          <p:cNvPr id="6" name="Owal 5"/>
+          <p:cNvSpPr/>
+          <p:nvPr/>
+        </p:nvSpPr>
+        <p:spPr>
+          <a:xfrm>
+            <a:off x="6086475" y="3505200"/>
+            <a:ext cx="171450" cy="104775"/>
+          </a:xfrm>
+          <a:prstGeom prst="ellipse">
+            <a:avLst/>
+          </a:prstGeom>
+          <a:solidFill>
+            <a:srgbClr val="FF0000"/>
+          </a:solidFill>
+        </p:spPr>
+        <p:style>
+          <a:lnRef idx="2">
+            <a:schemeClr val="accent1">
+              <a:shade val="50000"/>
+            </a:schemeClr>
+          </a:lnRef>
+          <a:fillRef idx="1">
+            <a:schemeClr val="accent1"/>
+          </a:fillRef>
+          <a:effectRef idx="0">
+            <a:schemeClr val="accent1"/>
+          </a:effectRef>
+          <a:fontRef idx="minor">
+            <a:schemeClr val="lt1"/>
+          </a:fontRef>
+        </p:style>
+        <p:txBody>
+          <a:bodyPr rtlCol="0" anchor="ctr"/>
+          <a:lstStyle/>
+          <a:p>
+            <a:pPr algn="ctr"/>
+            <a:endParaRPr lang="pl-PL">
+              <a:solidFill>
+                <a:srgbClr val="FF0000"/>
+              </a:solidFill>
+            </a:endParaRPr>
+          </a:p>
+        </p:txBody>
+      </p:sp>
+      <p:sp>
+        <p:nvSpPr>
+          <p:cNvPr id="7" name="Owal 6"/>
+          <p:cNvSpPr/>
+          <p:nvPr/>
+        </p:nvSpPr>
+        <p:spPr>
+          <a:xfrm>
+            <a:off x="6543675" y="3452812"/>
+            <a:ext cx="171450" cy="104775"/>
+          </a:xfrm>
+          <a:prstGeom prst="ellipse">
+            <a:avLst/>
+          </a:prstGeom>
+          <a:solidFill>
+            <a:srgbClr val="FF0000"/>
+          </a:solidFill>
+        </p:spPr>
+        <p:style>
+          <a:lnRef idx="2">
+            <a:schemeClr val="accent1">
+              <a:shade val="50000"/>
+            </a:schemeClr>
+          </a:lnRef>
+          <a:fillRef idx="1">
+            <a:schemeClr val="accent1"/>
+          </a:fillRef>
+          <a:effectRef idx="0">
+            <a:schemeClr val="accent1"/>
+          </a:effectRef>
+          <a:fontRef idx="minor">
+            <a:schemeClr val="lt1"/>
+          </a:fontRef>
+        </p:style>
+        <p:txBody>
+          <a:bodyPr rtlCol="0" anchor="ctr"/>
+          <a:lstStyle/>
+          <a:p>
+            <a:pPr algn="ctr"/>
+            <a:endParaRPr lang="pl-PL">
+              <a:solidFill>
+                <a:srgbClr val="FF0000"/>
+              </a:solidFill>
+            </a:endParaRPr>
+          </a:p>
+        </p:txBody>
+      </p:sp>
+      <p:sp>
+        <p:nvSpPr>
+          <p:cNvPr id="8" name="Owal 7"/>
+          <p:cNvSpPr/>
+          <p:nvPr/>
+        </p:nvSpPr>
+        <p:spPr>
+          <a:xfrm>
+            <a:off x="6181725" y="4191000"/>
+            <a:ext cx="171450" cy="104775"/>
+          </a:xfrm>
+          <a:prstGeom prst="ellipse">
+            <a:avLst/>
+          </a:prstGeom>
+          <a:solidFill>
+            <a:srgbClr val="FF0000"/>
+          </a:solidFill>
+        </p:spPr>
+        <p:style>
+          <a:lnRef idx="2">
+            <a:schemeClr val="accent1">
+              <a:shade val="50000"/>
+            </a:schemeClr>
+          </a:lnRef>
+          <a:fillRef idx="1">
+            <a:schemeClr val="accent1"/>
+          </a:fillRef>
+          <a:effectRef idx="0">
+            <a:schemeClr val="accent1"/>
+          </a:effectRef>
+          <a:fontRef idx="minor">
+            <a:schemeClr val="lt1"/>
+          </a:fontRef>
+        </p:style>
+        <p:txBody>
+          <a:bodyPr rtlCol="0" anchor="ctr"/>
+          <a:lstStyle/>
+          <a:p>
+            <a:pPr algn="ctr"/>
+            <a:endParaRPr lang="pl-PL">
+              <a:solidFill>
+                <a:srgbClr val="FF0000"/>
+              </a:solidFill>
+            </a:endParaRPr>
+          </a:p>
+        </p:txBody>
+      </p:sp>
+      <p:sp>
+        <p:nvSpPr>
+          <p:cNvPr id="9" name="Owal 8"/>
+          <p:cNvSpPr/>
+          <p:nvPr/>
+        </p:nvSpPr>
+        <p:spPr>
+          <a:xfrm>
+            <a:off x="6705600" y="4133849"/>
+            <a:ext cx="171450" cy="104775"/>
+          </a:xfrm>
+          <a:prstGeom prst="ellipse">
+            <a:avLst/>
+          </a:prstGeom>
+          <a:solidFill>
+            <a:srgbClr val="FF0000"/>
+          </a:solidFill>
+        </p:spPr>
+        <p:style>
+          <a:lnRef idx="2">
+            <a:schemeClr val="accent1">
+              <a:shade val="50000"/>
+            </a:schemeClr>
+          </a:lnRef>
+          <a:fillRef idx="1">
+            <a:schemeClr val="accent1"/>
+          </a:fillRef>
+          <a:effectRef idx="0">
+            <a:schemeClr val="accent1"/>
+          </a:effectRef>
+          <a:fontRef idx="minor">
+            <a:schemeClr val="lt1"/>
+          </a:fontRef>
+        </p:style>
+        <p:txBody>
+          <a:bodyPr rtlCol="0" anchor="ctr"/>
+          <a:lstStyle/>
+          <a:p>
+            <a:pPr algn="ctr"/>
+            <a:endParaRPr lang="pl-PL">
+              <a:solidFill>
+                <a:srgbClr val="FF0000"/>
+              </a:solidFill>
+            </a:endParaRPr>
+          </a:p>
+        </p:txBody>
+      </p:sp>
+      <p:sp>
+        <p:nvSpPr>
+          <p:cNvPr id="10" name="Owal 9"/>
+          <p:cNvSpPr/>
+          <p:nvPr/>
+        </p:nvSpPr>
+        <p:spPr>
+          <a:xfrm>
+            <a:off x="6924675" y="3352799"/>
+            <a:ext cx="171450" cy="104775"/>
+          </a:xfrm>
+          <a:prstGeom prst="ellipse">
+            <a:avLst/>
+          </a:prstGeom>
+          <a:solidFill>
+            <a:srgbClr val="FF0000"/>
+          </a:solidFill>
+        </p:spPr>
+        <p:style>
+          <a:lnRef idx="2">
+            <a:schemeClr val="accent1">
+              <a:shade val="50000"/>
+            </a:schemeClr>
+          </a:lnRef>
+          <a:fillRef idx="1">
+            <a:schemeClr val="accent1"/>
+          </a:fillRef>
+          <a:effectRef idx="0">
+            <a:schemeClr val="accent1"/>
+          </a:effectRef>
+          <a:fontRef idx="minor">
+            <a:schemeClr val="lt1"/>
+          </a:fontRef>
+        </p:style>
+        <p:txBody>
+          <a:bodyPr rtlCol="0" anchor="ctr"/>
+          <a:lstStyle/>
+          <a:p>
+            <a:pPr algn="ctr"/>
+            <a:endParaRPr lang="pl-PL">
+              <a:solidFill>
+                <a:srgbClr val="FF0000"/>
+              </a:solidFill>
+            </a:endParaRPr>
+          </a:p>
+        </p:txBody>
+      </p:sp>
+      <p:sp>
+        <p:nvSpPr>
+          <p:cNvPr id="11" name="Owal 10"/>
+          <p:cNvSpPr/>
+          <p:nvPr/>
+        </p:nvSpPr>
+        <p:spPr>
+          <a:xfrm>
+            <a:off x="7153275" y="4010025"/>
+            <a:ext cx="171450" cy="104775"/>
+          </a:xfrm>
+          <a:prstGeom prst="ellipse">
+            <a:avLst/>
+          </a:prstGeom>
+          <a:solidFill>
+            <a:srgbClr val="FF0000"/>
+          </a:solidFill>
+        </p:spPr>
+        <p:style>
+          <a:lnRef idx="2">
+            <a:schemeClr val="accent1">
+              <a:shade val="50000"/>
+            </a:schemeClr>
+          </a:lnRef>
+          <a:fillRef idx="1">
+            <a:schemeClr val="accent1"/>
+          </a:fillRef>
+          <a:effectRef idx="0">
+            <a:schemeClr val="accent1"/>
+          </a:effectRef>
+          <a:fontRef idx="minor">
+            <a:schemeClr val="lt1"/>
+          </a:fontRef>
+        </p:style>
+        <p:txBody>
+          <a:bodyPr rtlCol="0" anchor="ctr"/>
+          <a:lstStyle/>
+          <a:p>
+            <a:pPr algn="ctr"/>
+            <a:endParaRPr lang="pl-PL">
+              <a:solidFill>
+                <a:srgbClr val="FF0000"/>
+              </a:solidFill>
+            </a:endParaRPr>
+          </a:p>
+        </p:txBody>
+      </p:sp>
+      <p:sp>
+        <p:nvSpPr>
+          <p:cNvPr id="12" name="Owal 11"/>
+          <p:cNvSpPr/>
+          <p:nvPr/>
+        </p:nvSpPr>
+        <p:spPr>
+          <a:xfrm>
+            <a:off x="7324725" y="3248024"/>
+            <a:ext cx="171450" cy="104775"/>
+          </a:xfrm>
+          <a:prstGeom prst="ellipse">
+            <a:avLst/>
+          </a:prstGeom>
+          <a:solidFill>
+            <a:srgbClr val="FF0000"/>
+          </a:solidFill>
+        </p:spPr>
+        <p:style>
+          <a:lnRef idx="2">
+            <a:schemeClr val="accent1">
+              <a:shade val="50000"/>
+            </a:schemeClr>
+          </a:lnRef>
+          <a:fillRef idx="1">
+            <a:schemeClr val="accent1"/>
+          </a:fillRef>
+          <a:effectRef idx="0">
+            <a:schemeClr val="accent1"/>
+          </a:effectRef>
+          <a:fontRef idx="minor">
+            <a:schemeClr val="lt1"/>
+          </a:fontRef>
+        </p:style>
+        <p:txBody>
+          <a:bodyPr rtlCol="0" anchor="ctr"/>
+          <a:lstStyle/>
+          <a:p>
+            <a:pPr algn="ctr"/>
+            <a:endParaRPr lang="pl-PL">
+              <a:solidFill>
+                <a:srgbClr val="FF0000"/>
+              </a:solidFill>
+            </a:endParaRPr>
+          </a:p>
+        </p:txBody>
+      </p:sp>
+      <p:sp>
+        <p:nvSpPr>
+          <p:cNvPr id="13" name="Owal 12"/>
+          <p:cNvSpPr/>
+          <p:nvPr/>
+        </p:nvSpPr>
+        <p:spPr>
+          <a:xfrm>
+            <a:off x="7610475" y="3838575"/>
+            <a:ext cx="171450" cy="104775"/>
+          </a:xfrm>
+          <a:prstGeom prst="ellipse">
+            <a:avLst/>
+          </a:prstGeom>
+          <a:solidFill>
+            <a:srgbClr val="FF0000"/>
+          </a:solidFill>
+        </p:spPr>
+        <p:style>
+          <a:lnRef idx="2">
+            <a:schemeClr val="accent1">
+              <a:shade val="50000"/>
+            </a:schemeClr>
+          </a:lnRef>
+          <a:fillRef idx="1">
+            <a:schemeClr val="accent1"/>
+          </a:fillRef>
+          <a:effectRef idx="0">
+            <a:schemeClr val="accent1"/>
+          </a:effectRef>
+          <a:fontRef idx="minor">
+            <a:schemeClr val="lt1"/>
+          </a:fontRef>
+        </p:style>
+        <p:txBody>
+          <a:bodyPr rtlCol="0" anchor="ctr"/>
+          <a:lstStyle/>
+          <a:p>
+            <a:pPr algn="ctr"/>
+            <a:endParaRPr lang="pl-PL">
+              <a:solidFill>
+                <a:srgbClr val="FF0000"/>
+              </a:solidFill>
+            </a:endParaRPr>
+          </a:p>
+        </p:txBody>
+      </p:sp>
+      <p:sp>
+        <p:nvSpPr>
+          <p:cNvPr id="14" name="Owal 13"/>
+          <p:cNvSpPr/>
+          <p:nvPr/>
+        </p:nvSpPr>
+        <p:spPr>
+          <a:xfrm>
+            <a:off x="7629525" y="3048000"/>
+            <a:ext cx="171450" cy="104775"/>
+          </a:xfrm>
+          <a:prstGeom prst="ellipse">
+            <a:avLst/>
+          </a:prstGeom>
+          <a:solidFill>
+            <a:srgbClr val="FF0000"/>
+          </a:solidFill>
+        </p:spPr>
+        <p:style>
+          <a:lnRef idx="2">
+            <a:schemeClr val="accent1">
+              <a:shade val="50000"/>
+            </a:schemeClr>
+          </a:lnRef>
+          <a:fillRef idx="1">
+            <a:schemeClr val="accent1"/>
+          </a:fillRef>
+          <a:effectRef idx="0">
+            <a:schemeClr val="accent1"/>
+          </a:effectRef>
+          <a:fontRef idx="minor">
+            <a:schemeClr val="lt1"/>
+          </a:fontRef>
+        </p:style>
+        <p:txBody>
+          <a:bodyPr rtlCol="0" anchor="ctr"/>
+          <a:lstStyle/>
+          <a:p>
+            <a:pPr algn="ctr"/>
+            <a:endParaRPr lang="pl-PL">
+              <a:solidFill>
+                <a:srgbClr val="FF0000"/>
+              </a:solidFill>
+            </a:endParaRPr>
+          </a:p>
+        </p:txBody>
+      </p:sp>
+      <p:sp>
+        <p:nvSpPr>
+          <p:cNvPr id="15" name="Owal 14"/>
+          <p:cNvSpPr/>
+          <p:nvPr/>
+        </p:nvSpPr>
+        <p:spPr>
+          <a:xfrm>
+            <a:off x="8239125" y="3400424"/>
+            <a:ext cx="171450" cy="104775"/>
+          </a:xfrm>
+          <a:prstGeom prst="ellipse">
+            <a:avLst/>
+          </a:prstGeom>
+          <a:solidFill>
+            <a:srgbClr val="FF0000"/>
+          </a:solidFill>
+        </p:spPr>
+        <p:style>
+          <a:lnRef idx="2">
+            <a:schemeClr val="accent1">
+              <a:shade val="50000"/>
+            </a:schemeClr>
+          </a:lnRef>
+          <a:fillRef idx="1">
+            <a:schemeClr val="accent1"/>
+          </a:fillRef>
+          <a:effectRef idx="0">
+            <a:schemeClr val="accent1"/>
+          </a:effectRef>
+          <a:fontRef idx="minor">
+            <a:schemeClr val="lt1"/>
+          </a:fontRef>
+        </p:style>
+        <p:txBody>
+          <a:bodyPr rtlCol="0" anchor="ctr"/>
+          <a:lstStyle/>
+          <a:p>
+            <a:pPr algn="ctr"/>
+            <a:endParaRPr lang="pl-PL">
+              <a:solidFill>
+                <a:srgbClr val="FF0000"/>
+              </a:solidFill>
+            </a:endParaRPr>
+          </a:p>
+        </p:txBody>
+      </p:sp>
+      <p:sp>
+        <p:nvSpPr>
+          <p:cNvPr id="16" name="Owal 15"/>
+          <p:cNvSpPr/>
+          <p:nvPr/>
+        </p:nvSpPr>
+        <p:spPr>
+          <a:xfrm>
+            <a:off x="7972425" y="3609975"/>
+            <a:ext cx="171450" cy="104775"/>
+          </a:xfrm>
+          <a:prstGeom prst="ellipse">
+            <a:avLst/>
+          </a:prstGeom>
+          <a:solidFill>
+            <a:srgbClr val="FF0000"/>
+          </a:solidFill>
+        </p:spPr>
+        <p:style>
+          <a:lnRef idx="2">
+            <a:schemeClr val="accent1">
+              <a:shade val="50000"/>
+            </a:schemeClr>
+          </a:lnRef>
+          <a:fillRef idx="1">
+            <a:schemeClr val="accent1"/>
+          </a:fillRef>
+          <a:effectRef idx="0">
+            <a:schemeClr val="accent1"/>
+          </a:effectRef>
+          <a:fontRef idx="minor">
+            <a:schemeClr val="lt1"/>
+          </a:fontRef>
+        </p:style>
+        <p:txBody>
+          <a:bodyPr rtlCol="0" anchor="ctr"/>
+          <a:lstStyle/>
+          <a:p>
+            <a:pPr algn="ctr"/>
+            <a:endParaRPr lang="pl-PL">
+              <a:solidFill>
+                <a:srgbClr val="FF0000"/>
+              </a:solidFill>
+            </a:endParaRPr>
+          </a:p>
+        </p:txBody>
+      </p:sp>
+      <p:sp>
+        <p:nvSpPr>
+          <p:cNvPr id="17" name="Owal 16"/>
+          <p:cNvSpPr/>
+          <p:nvPr/>
+        </p:nvSpPr>
+        <p:spPr>
+          <a:xfrm>
+            <a:off x="7886700" y="2867025"/>
+            <a:ext cx="171450" cy="104775"/>
+          </a:xfrm>
+          <a:prstGeom prst="ellipse">
+            <a:avLst/>
+          </a:prstGeom>
+          <a:solidFill>
+            <a:srgbClr val="FF0000"/>
+          </a:solidFill>
+        </p:spPr>
+        <p:style>
+          <a:lnRef idx="2">
+            <a:schemeClr val="accent1">
+              <a:shade val="50000"/>
+            </a:schemeClr>
+          </a:lnRef>
+          <a:fillRef idx="1">
+            <a:schemeClr val="accent1"/>
+          </a:fillRef>
+          <a:effectRef idx="0">
+            <a:schemeClr val="accent1"/>
+          </a:effectRef>
+          <a:fontRef idx="minor">
+            <a:schemeClr val="lt1"/>
+          </a:fontRef>
+        </p:style>
+        <p:txBody>
+          <a:bodyPr rtlCol="0" anchor="ctr"/>
+          <a:lstStyle/>
+          <a:p>
+            <a:pPr algn="ctr"/>
+            <a:endParaRPr lang="pl-PL">
+              <a:solidFill>
+                <a:srgbClr val="FF0000"/>
+              </a:solidFill>
+            </a:endParaRPr>
+          </a:p>
+        </p:txBody>
+      </p:sp>
+      <p:sp>
+        <p:nvSpPr>
+          <p:cNvPr id="18" name="Owal 17"/>
+          <p:cNvSpPr/>
+          <p:nvPr/>
+        </p:nvSpPr>
+        <p:spPr>
+          <a:xfrm>
+            <a:off x="5610225" y="3505199"/>
+            <a:ext cx="171450" cy="104775"/>
+          </a:xfrm>
+          <a:prstGeom prst="ellipse">
+            <a:avLst/>
+          </a:prstGeom>
+          <a:solidFill>
+            <a:srgbClr val="FF0000"/>
+          </a:solidFill>
+        </p:spPr>
+        <p:style>
+          <a:lnRef idx="2">
+            <a:schemeClr val="accent1">
+              <a:shade val="50000"/>
+            </a:schemeClr>
+          </a:lnRef>
+          <a:fillRef idx="1">
+            <a:schemeClr val="accent1"/>
+          </a:fillRef>
+          <a:effectRef idx="0">
+            <a:schemeClr val="accent1"/>
+          </a:effectRef>
+          <a:fontRef idx="minor">
+            <a:schemeClr val="lt1"/>
+          </a:fontRef>
+        </p:style>
+        <p:txBody>
+          <a:bodyPr rtlCol="0" anchor="ctr"/>
+          <a:lstStyle/>
+          <a:p>
+            <a:pPr algn="ctr"/>
+            <a:endParaRPr lang="pl-PL">
+              <a:solidFill>
+                <a:srgbClr val="FF0000"/>
+              </a:solidFill>
+            </a:endParaRPr>
+          </a:p>
+        </p:txBody>
+      </p:sp>
+      <p:sp>
+        <p:nvSpPr>
+          <p:cNvPr id="19" name="Owal 18"/>
+          <p:cNvSpPr/>
+          <p:nvPr/>
+        </p:nvSpPr>
+        <p:spPr>
+          <a:xfrm>
+            <a:off x="5600700" y="4214812"/>
+            <a:ext cx="171450" cy="104775"/>
+          </a:xfrm>
+          <a:prstGeom prst="ellipse">
+            <a:avLst/>
+          </a:prstGeom>
+          <a:solidFill>
+            <a:srgbClr val="FF0000"/>
+          </a:solidFill>
+        </p:spPr>
+        <p:style>
+          <a:lnRef idx="2">
+            <a:schemeClr val="accent1">
+              <a:shade val="50000"/>
+            </a:schemeClr>
+          </a:lnRef>
+          <a:fillRef idx="1">
+            <a:schemeClr val="accent1"/>
+          </a:fillRef>
+          <a:effectRef idx="0">
+            <a:schemeClr val="accent1"/>
+          </a:effectRef>
+          <a:fontRef idx="minor">
+            <a:schemeClr val="lt1"/>
+          </a:fontRef>
+        </p:style>
+        <p:txBody>
+          <a:bodyPr rtlCol="0" anchor="ctr"/>
+          <a:lstStyle/>
+          <a:p>
+            <a:pPr algn="ctr"/>
+            <a:endParaRPr lang="pl-PL">
+              <a:solidFill>
+                <a:srgbClr val="FF0000"/>
+              </a:solidFill>
+            </a:endParaRPr>
+          </a:p>
+        </p:txBody>
+      </p:sp>
+      <p:sp>
+        <p:nvSpPr>
+          <p:cNvPr id="20" name="Owal 19"/>
+          <p:cNvSpPr/>
+          <p:nvPr/>
+        </p:nvSpPr>
+        <p:spPr>
+          <a:xfrm>
+            <a:off x="5610225" y="4924425"/>
+            <a:ext cx="171450" cy="104775"/>
+          </a:xfrm>
+          <a:prstGeom prst="ellipse">
+            <a:avLst/>
+          </a:prstGeom>
+          <a:solidFill>
+            <a:srgbClr val="FF0000"/>
+          </a:solidFill>
+        </p:spPr>
+        <p:style>
+          <a:lnRef idx="2">
+            <a:schemeClr val="accent1">
+              <a:shade val="50000"/>
+            </a:schemeClr>
+          </a:lnRef>
+          <a:fillRef idx="1">
+            <a:schemeClr val="accent1"/>
+          </a:fillRef>
+          <a:effectRef idx="0">
+            <a:schemeClr val="accent1"/>
+          </a:effectRef>
+          <a:fontRef idx="minor">
+            <a:schemeClr val="lt1"/>
+          </a:fontRef>
+        </p:style>
+        <p:txBody>
+          <a:bodyPr rtlCol="0" anchor="ctr"/>
+          <a:lstStyle/>
+          <a:p>
+            <a:pPr algn="ctr"/>
+            <a:endParaRPr lang="pl-PL">
+              <a:solidFill>
+                <a:srgbClr val="FF0000"/>
+              </a:solidFill>
+            </a:endParaRPr>
+          </a:p>
+        </p:txBody>
+      </p:sp>
+      <p:sp>
+        <p:nvSpPr>
+          <p:cNvPr id="21" name="Owal 20"/>
+          <p:cNvSpPr/>
+          <p:nvPr/>
+        </p:nvSpPr>
+        <p:spPr>
+          <a:xfrm>
+            <a:off x="6191250" y="4876800"/>
+            <a:ext cx="171450" cy="104775"/>
+          </a:xfrm>
+          <a:prstGeom prst="ellipse">
+            <a:avLst/>
+          </a:prstGeom>
+          <a:solidFill>
+            <a:srgbClr val="FF0000"/>
+          </a:solidFill>
+        </p:spPr>
+        <p:style>
+          <a:lnRef idx="2">
+            <a:schemeClr val="accent1">
+              <a:shade val="50000"/>
+            </a:schemeClr>
+          </a:lnRef>
+          <a:fillRef idx="1">
+            <a:schemeClr val="accent1"/>
+          </a:fillRef>
+          <a:effectRef idx="0">
+            <a:schemeClr val="accent1"/>
+          </a:effectRef>
+          <a:fontRef idx="minor">
+            <a:schemeClr val="lt1"/>
+          </a:fontRef>
+        </p:style>
+        <p:txBody>
+          <a:bodyPr rtlCol="0" anchor="ctr"/>
+          <a:lstStyle/>
+          <a:p>
+            <a:pPr algn="ctr"/>
+            <a:endParaRPr lang="pl-PL">
+              <a:solidFill>
+                <a:srgbClr val="FF0000"/>
+              </a:solidFill>
+            </a:endParaRPr>
+          </a:p>
+        </p:txBody>
+      </p:sp>
+      <p:sp>
+        <p:nvSpPr>
+          <p:cNvPr id="22" name="Owal 21"/>
+          <p:cNvSpPr/>
+          <p:nvPr/>
+        </p:nvSpPr>
+        <p:spPr>
+          <a:xfrm>
+            <a:off x="6838950" y="4819650"/>
+            <a:ext cx="171450" cy="104775"/>
+          </a:xfrm>
+          <a:prstGeom prst="ellipse">
+            <a:avLst/>
+          </a:prstGeom>
+          <a:solidFill>
+            <a:srgbClr val="FF0000"/>
+          </a:solidFill>
+        </p:spPr>
+        <p:style>
+          <a:lnRef idx="2">
+            <a:schemeClr val="accent1">
+              <a:shade val="50000"/>
+            </a:schemeClr>
+          </a:lnRef>
+          <a:fillRef idx="1">
+            <a:schemeClr val="accent1"/>
+          </a:fillRef>
+          <a:effectRef idx="0">
+            <a:schemeClr val="accent1"/>
+          </a:effectRef>
+          <a:fontRef idx="minor">
+            <a:schemeClr val="lt1"/>
+          </a:fontRef>
+        </p:style>
+        <p:txBody>
+          <a:bodyPr rtlCol="0" anchor="ctr"/>
+          <a:lstStyle/>
+          <a:p>
+            <a:pPr algn="ctr"/>
+            <a:endParaRPr lang="pl-PL">
+              <a:solidFill>
+                <a:srgbClr val="FF0000"/>
+              </a:solidFill>
+            </a:endParaRPr>
+          </a:p>
+        </p:txBody>
+      </p:sp>
+      <p:sp>
+        <p:nvSpPr>
+          <p:cNvPr id="23" name="Owal 22"/>
+          <p:cNvSpPr/>
+          <p:nvPr/>
+        </p:nvSpPr>
+        <p:spPr>
+          <a:xfrm>
+            <a:off x="7324725" y="4667251"/>
+            <a:ext cx="171450" cy="104775"/>
+          </a:xfrm>
+          <a:prstGeom prst="ellipse">
+            <a:avLst/>
+          </a:prstGeom>
+          <a:solidFill>
+            <a:srgbClr val="FF0000"/>
+          </a:solidFill>
+        </p:spPr>
+        <p:style>
+          <a:lnRef idx="2">
+            <a:schemeClr val="accent1">
+              <a:shade val="50000"/>
+            </a:schemeClr>
+          </a:lnRef>
+          <a:fillRef idx="1">
+            <a:schemeClr val="accent1"/>
+          </a:fillRef>
+          <a:effectRef idx="0">
+            <a:schemeClr val="accent1"/>
+          </a:effectRef>
+          <a:fontRef idx="minor">
+            <a:schemeClr val="lt1"/>
+          </a:fontRef>
+        </p:style>
+        <p:txBody>
+          <a:bodyPr rtlCol="0" anchor="ctr"/>
+          <a:lstStyle/>
+          <a:p>
+            <a:pPr algn="ctr"/>
+            <a:endParaRPr lang="pl-PL">
+              <a:solidFill>
+                <a:srgbClr val="FF0000"/>
+              </a:solidFill>
+            </a:endParaRPr>
+          </a:p>
+        </p:txBody>
+      </p:sp>
+      <p:sp>
+        <p:nvSpPr>
+          <p:cNvPr id="24" name="Owal 23"/>
+          <p:cNvSpPr/>
+          <p:nvPr/>
+        </p:nvSpPr>
+        <p:spPr>
+          <a:xfrm>
+            <a:off x="7886700" y="4448175"/>
+            <a:ext cx="171450" cy="104775"/>
+          </a:xfrm>
+          <a:prstGeom prst="ellipse">
+            <a:avLst/>
+          </a:prstGeom>
+          <a:solidFill>
+            <a:srgbClr val="FF0000"/>
+          </a:solidFill>
+        </p:spPr>
+        <p:style>
+          <a:lnRef idx="2">
+            <a:schemeClr val="accent1">
+              <a:shade val="50000"/>
+            </a:schemeClr>
+          </a:lnRef>
+          <a:fillRef idx="1">
+            <a:schemeClr val="accent1"/>
+          </a:fillRef>
+          <a:effectRef idx="0">
+            <a:schemeClr val="accent1"/>
+          </a:effectRef>
+          <a:fontRef idx="minor">
+            <a:schemeClr val="lt1"/>
+          </a:fontRef>
+        </p:style>
+        <p:txBody>
+          <a:bodyPr rtlCol="0" anchor="ctr"/>
+          <a:lstStyle/>
+          <a:p>
+            <a:pPr algn="ctr"/>
+            <a:endParaRPr lang="pl-PL">
+              <a:solidFill>
+                <a:srgbClr val="FF0000"/>
+              </a:solidFill>
+            </a:endParaRPr>
+          </a:p>
+        </p:txBody>
+      </p:sp>
+      <p:sp>
+        <p:nvSpPr>
+          <p:cNvPr id="25" name="Owal 24"/>
+          <p:cNvSpPr/>
+          <p:nvPr/>
+        </p:nvSpPr>
+        <p:spPr>
+          <a:xfrm>
+            <a:off x="8239125" y="4243387"/>
+            <a:ext cx="171450" cy="104775"/>
+          </a:xfrm>
+          <a:prstGeom prst="ellipse">
+            <a:avLst/>
+          </a:prstGeom>
+          <a:solidFill>
+            <a:srgbClr val="FF0000"/>
+          </a:solidFill>
+        </p:spPr>
+        <p:style>
+          <a:lnRef idx="2">
+            <a:schemeClr val="accent1">
+              <a:shade val="50000"/>
+            </a:schemeClr>
+          </a:lnRef>
+          <a:fillRef idx="1">
+            <a:schemeClr val="accent1"/>
+          </a:fillRef>
+          <a:effectRef idx="0">
+            <a:schemeClr val="accent1"/>
+          </a:effectRef>
+          <a:fontRef idx="minor">
+            <a:schemeClr val="lt1"/>
+          </a:fontRef>
+        </p:style>
+        <p:txBody>
+          <a:bodyPr rtlCol="0" anchor="ctr"/>
+          <a:lstStyle/>
+          <a:p>
+            <a:pPr algn="ctr"/>
+            <a:endParaRPr lang="pl-PL">
+              <a:solidFill>
+                <a:srgbClr val="FF0000"/>
+              </a:solidFill>
+            </a:endParaRPr>
+          </a:p>
+        </p:txBody>
+      </p:sp>
+      <p:sp>
+        <p:nvSpPr>
+          <p:cNvPr id="26" name="Owal 25"/>
+          <p:cNvSpPr/>
+          <p:nvPr/>
+        </p:nvSpPr>
+        <p:spPr>
+          <a:xfrm>
+            <a:off x="8553450" y="3957637"/>
+            <a:ext cx="171450" cy="104775"/>
+          </a:xfrm>
+          <a:prstGeom prst="ellipse">
+            <a:avLst/>
+          </a:prstGeom>
+          <a:solidFill>
+            <a:srgbClr val="FF0000"/>
+          </a:solidFill>
+        </p:spPr>
+        <p:style>
+          <a:lnRef idx="2">
+            <a:schemeClr val="accent1">
+              <a:shade val="50000"/>
+            </a:schemeClr>
+          </a:lnRef>
+          <a:fillRef idx="1">
+            <a:schemeClr val="accent1"/>
+          </a:fillRef>
+          <a:effectRef idx="0">
+            <a:schemeClr val="accent1"/>
+          </a:effectRef>
+          <a:fontRef idx="minor">
+            <a:schemeClr val="lt1"/>
+          </a:fontRef>
+        </p:style>
+        <p:txBody>
+          <a:bodyPr rtlCol="0" anchor="ctr"/>
+          <a:lstStyle/>
+          <a:p>
+            <a:pPr algn="ctr"/>
+            <a:endParaRPr lang="pl-PL">
+              <a:solidFill>
+                <a:srgbClr val="FF0000"/>
+              </a:solidFill>
+            </a:endParaRPr>
+          </a:p>
+        </p:txBody>
+      </p:sp>
+      <p:sp>
+        <p:nvSpPr>
+          <p:cNvPr id="27" name="Owal 26"/>
+          <p:cNvSpPr/>
+          <p:nvPr/>
+        </p:nvSpPr>
+        <p:spPr>
+          <a:xfrm>
+            <a:off x="8020050" y="2609850"/>
+            <a:ext cx="171450" cy="104775"/>
+          </a:xfrm>
+          <a:prstGeom prst="ellipse">
+            <a:avLst/>
+          </a:prstGeom>
+          <a:solidFill>
+            <a:srgbClr val="FF0000"/>
+          </a:solidFill>
+        </p:spPr>
+        <p:style>
+          <a:lnRef idx="2">
+            <a:schemeClr val="accent1">
+              <a:shade val="50000"/>
+            </a:schemeClr>
+          </a:lnRef>
+          <a:fillRef idx="1">
+            <a:schemeClr val="accent1"/>
+          </a:fillRef>
+          <a:effectRef idx="0">
+            <a:schemeClr val="accent1"/>
+          </a:effectRef>
+          <a:fontRef idx="minor">
+            <a:schemeClr val="lt1"/>
+          </a:fontRef>
+        </p:style>
+        <p:txBody>
+          <a:bodyPr rtlCol="0" anchor="ctr"/>
+          <a:lstStyle/>
+          <a:p>
+            <a:pPr algn="ctr"/>
+            <a:endParaRPr lang="pl-PL">
+              <a:solidFill>
+                <a:srgbClr val="FF0000"/>
+              </a:solidFill>
+            </a:endParaRPr>
+          </a:p>
+        </p:txBody>
+      </p:sp>
+      <p:sp>
+        <p:nvSpPr>
+          <p:cNvPr id="29" name="Owal 28"/>
+          <p:cNvSpPr/>
+          <p:nvPr/>
+        </p:nvSpPr>
+        <p:spPr>
+          <a:xfrm>
+            <a:off x="5848350" y="3205162"/>
+            <a:ext cx="171450" cy="104775"/>
+          </a:xfrm>
+          <a:prstGeom prst="ellipse">
+            <a:avLst/>
+          </a:prstGeom>
+          <a:solidFill>
+            <a:srgbClr val="92D050"/>
+          </a:solidFill>
+        </p:spPr>
+        <p:style>
+          <a:lnRef idx="2">
+            <a:schemeClr val="accent1">
+              <a:shade val="50000"/>
+            </a:schemeClr>
+          </a:lnRef>
+          <a:fillRef idx="1">
+            <a:schemeClr val="accent1"/>
+          </a:fillRef>
+          <a:effectRef idx="0">
+            <a:schemeClr val="accent1"/>
+          </a:effectRef>
+          <a:fontRef idx="minor">
+            <a:schemeClr val="lt1"/>
+          </a:fontRef>
+        </p:style>
+        <p:txBody>
+          <a:bodyPr rtlCol="0" anchor="ctr"/>
+          <a:lstStyle/>
+          <a:p>
+            <a:pPr algn="ctr"/>
+            <a:endParaRPr lang="pl-PL">
+              <a:solidFill>
+                <a:srgbClr val="FF0000"/>
+              </a:solidFill>
+            </a:endParaRPr>
+          </a:p>
+        </p:txBody>
+      </p:sp>
+      <p:sp>
+        <p:nvSpPr>
+          <p:cNvPr id="34" name="Owal 33"/>
+          <p:cNvSpPr/>
+          <p:nvPr/>
+        </p:nvSpPr>
+        <p:spPr>
+          <a:xfrm>
+            <a:off x="7543800" y="2202653"/>
+            <a:ext cx="171450" cy="104775"/>
+          </a:xfrm>
+          <a:prstGeom prst="ellipse">
+            <a:avLst/>
+          </a:prstGeom>
+          <a:solidFill>
+            <a:srgbClr val="FF0000"/>
+          </a:solidFill>
+        </p:spPr>
+        <p:style>
+          <a:lnRef idx="2">
+            <a:schemeClr val="accent1">
+              <a:shade val="50000"/>
+            </a:schemeClr>
+          </a:lnRef>
+          <a:fillRef idx="1">
+            <a:schemeClr val="accent1"/>
+          </a:fillRef>
+          <a:effectRef idx="0">
+            <a:schemeClr val="accent1"/>
+          </a:effectRef>
+          <a:fontRef idx="minor">
+            <a:schemeClr val="lt1"/>
+          </a:fontRef>
+        </p:style>
+        <p:txBody>
+          <a:bodyPr rtlCol="0" anchor="ctr"/>
+          <a:lstStyle/>
+          <a:p>
+            <a:pPr algn="ctr"/>
+            <a:endParaRPr lang="pl-PL">
+              <a:solidFill>
+                <a:srgbClr val="FF0000"/>
+              </a:solidFill>
+            </a:endParaRPr>
+          </a:p>
+        </p:txBody>
+      </p:sp>
+      <p:sp>
+        <p:nvSpPr>
+          <p:cNvPr id="35" name="Owal 34"/>
+          <p:cNvSpPr/>
+          <p:nvPr/>
+        </p:nvSpPr>
+        <p:spPr>
+          <a:xfrm>
+            <a:off x="7400925" y="2390772"/>
+            <a:ext cx="171450" cy="104775"/>
+          </a:xfrm>
+          <a:prstGeom prst="ellipse">
+            <a:avLst/>
+          </a:prstGeom>
+          <a:solidFill>
+            <a:srgbClr val="FF0000"/>
+          </a:solidFill>
+        </p:spPr>
+        <p:style>
+          <a:lnRef idx="2">
+            <a:schemeClr val="accent1">
+              <a:shade val="50000"/>
+            </a:schemeClr>
+          </a:lnRef>
+          <a:fillRef idx="1">
+            <a:schemeClr val="accent1"/>
+          </a:fillRef>
+          <a:effectRef idx="0">
+            <a:schemeClr val="accent1"/>
+          </a:effectRef>
+          <a:fontRef idx="minor">
+            <a:schemeClr val="lt1"/>
+          </a:fontRef>
+        </p:style>
+        <p:txBody>
+          <a:bodyPr rtlCol="0" anchor="ctr"/>
+          <a:lstStyle/>
+          <a:p>
+            <a:pPr algn="ctr"/>
+            <a:endParaRPr lang="pl-PL">
+              <a:solidFill>
+                <a:srgbClr val="FF0000"/>
+              </a:solidFill>
+            </a:endParaRPr>
+          </a:p>
+        </p:txBody>
+      </p:sp>
+      <p:sp>
+        <p:nvSpPr>
+          <p:cNvPr id="36" name="Owal 35"/>
+          <p:cNvSpPr/>
+          <p:nvPr/>
+        </p:nvSpPr>
+        <p:spPr>
+          <a:xfrm>
+            <a:off x="7191375" y="2495547"/>
+            <a:ext cx="171450" cy="104775"/>
+          </a:xfrm>
+          <a:prstGeom prst="ellipse">
+            <a:avLst/>
+          </a:prstGeom>
+          <a:solidFill>
+            <a:srgbClr val="FF0000"/>
+          </a:solidFill>
+        </p:spPr>
+        <p:style>
+          <a:lnRef idx="2">
+            <a:schemeClr val="accent1">
+              <a:shade val="50000"/>
+            </a:schemeClr>
+          </a:lnRef>
+          <a:fillRef idx="1">
+            <a:schemeClr val="accent1"/>
+          </a:fillRef>
+          <a:effectRef idx="0">
+            <a:schemeClr val="accent1"/>
+          </a:effectRef>
+          <a:fontRef idx="minor">
+            <a:schemeClr val="lt1"/>
+          </a:fontRef>
+        </p:style>
+        <p:txBody>
+          <a:bodyPr rtlCol="0" anchor="ctr"/>
+          <a:lstStyle/>
+          <a:p>
+            <a:pPr algn="ctr"/>
+            <a:endParaRPr lang="pl-PL">
+              <a:solidFill>
+                <a:srgbClr val="FF0000"/>
+              </a:solidFill>
+            </a:endParaRPr>
+          </a:p>
+        </p:txBody>
+      </p:sp>
+      <p:sp>
+        <p:nvSpPr>
+          <p:cNvPr id="37" name="Owal 36"/>
+          <p:cNvSpPr/>
+          <p:nvPr/>
+        </p:nvSpPr>
+        <p:spPr>
+          <a:xfrm>
+            <a:off x="6953249" y="2619374"/>
+            <a:ext cx="171450" cy="104775"/>
+          </a:xfrm>
+          <a:prstGeom prst="ellipse">
+            <a:avLst/>
+          </a:prstGeom>
+          <a:solidFill>
+            <a:srgbClr val="FF0000"/>
+          </a:solidFill>
+        </p:spPr>
+        <p:style>
+          <a:lnRef idx="2">
+            <a:schemeClr val="accent1">
+              <a:shade val="50000"/>
+            </a:schemeClr>
+          </a:lnRef>
+          <a:fillRef idx="1">
+            <a:schemeClr val="accent1"/>
+          </a:fillRef>
+          <a:effectRef idx="0">
+            <a:schemeClr val="accent1"/>
+          </a:effectRef>
+          <a:fontRef idx="minor">
+            <a:schemeClr val="lt1"/>
+          </a:fontRef>
+        </p:style>
+        <p:txBody>
+          <a:bodyPr rtlCol="0" anchor="ctr"/>
+          <a:lstStyle/>
+          <a:p>
+            <a:pPr algn="ctr"/>
+            <a:endParaRPr lang="pl-PL">
+              <a:solidFill>
+                <a:srgbClr val="FF0000"/>
+              </a:solidFill>
+            </a:endParaRPr>
+          </a:p>
+        </p:txBody>
+      </p:sp>
+      <p:sp>
+        <p:nvSpPr>
+          <p:cNvPr id="38" name="Owal 37"/>
+          <p:cNvSpPr/>
+          <p:nvPr/>
+        </p:nvSpPr>
+        <p:spPr>
+          <a:xfrm>
+            <a:off x="6653212" y="2714625"/>
+            <a:ext cx="171450" cy="104775"/>
+          </a:xfrm>
+          <a:prstGeom prst="ellipse">
+            <a:avLst/>
+          </a:prstGeom>
+          <a:solidFill>
+            <a:srgbClr val="FF0000"/>
+          </a:solidFill>
+        </p:spPr>
+        <p:style>
+          <a:lnRef idx="2">
+            <a:schemeClr val="accent1">
+              <a:shade val="50000"/>
+            </a:schemeClr>
+          </a:lnRef>
+          <a:fillRef idx="1">
+            <a:schemeClr val="accent1"/>
+          </a:fillRef>
+          <a:effectRef idx="0">
+            <a:schemeClr val="accent1"/>
+          </a:effectRef>
+          <a:fontRef idx="minor">
+            <a:schemeClr val="lt1"/>
+          </a:fontRef>
+        </p:style>
+        <p:txBody>
+          <a:bodyPr rtlCol="0" anchor="ctr"/>
+          <a:lstStyle/>
+          <a:p>
+            <a:pPr algn="ctr"/>
+            <a:endParaRPr lang="pl-PL">
+              <a:solidFill>
+                <a:srgbClr val="FF0000"/>
+              </a:solidFill>
+            </a:endParaRPr>
+          </a:p>
+        </p:txBody>
+      </p:sp>
+      <p:sp>
+        <p:nvSpPr>
+          <p:cNvPr id="39" name="Owal 38"/>
+          <p:cNvSpPr/>
+          <p:nvPr/>
+        </p:nvSpPr>
+        <p:spPr>
+          <a:xfrm>
+            <a:off x="6353175" y="2814636"/>
+            <a:ext cx="171450" cy="104775"/>
+          </a:xfrm>
+          <a:prstGeom prst="ellipse">
+            <a:avLst/>
+          </a:prstGeom>
+          <a:solidFill>
+            <a:srgbClr val="FF0000"/>
+          </a:solidFill>
+        </p:spPr>
+        <p:style>
+          <a:lnRef idx="2">
+            <a:schemeClr val="accent1">
+              <a:shade val="50000"/>
+            </a:schemeClr>
+          </a:lnRef>
+          <a:fillRef idx="1">
+            <a:schemeClr val="accent1"/>
+          </a:fillRef>
+          <a:effectRef idx="0">
+            <a:schemeClr val="accent1"/>
+          </a:effectRef>
+          <a:fontRef idx="minor">
+            <a:schemeClr val="lt1"/>
+          </a:fontRef>
+        </p:style>
+        <p:txBody>
+          <a:bodyPr rtlCol="0" anchor="ctr"/>
+          <a:lstStyle/>
+          <a:p>
+            <a:pPr algn="ctr"/>
+            <a:endParaRPr lang="pl-PL">
+              <a:solidFill>
+                <a:srgbClr val="FF0000"/>
+              </a:solidFill>
+            </a:endParaRPr>
+          </a:p>
+        </p:txBody>
+      </p:sp>
+      <p:sp>
+        <p:nvSpPr>
+          <p:cNvPr id="40" name="Owal 39"/>
+          <p:cNvSpPr/>
+          <p:nvPr/>
+        </p:nvSpPr>
+        <p:spPr>
+          <a:xfrm>
+            <a:off x="6019800" y="2867024"/>
+            <a:ext cx="171450" cy="104775"/>
+          </a:xfrm>
+          <a:prstGeom prst="ellipse">
+            <a:avLst/>
+          </a:prstGeom>
+          <a:solidFill>
+            <a:srgbClr val="FF0000"/>
+          </a:solidFill>
+        </p:spPr>
+        <p:style>
+          <a:lnRef idx="2">
+            <a:schemeClr val="accent1">
+              <a:shade val="50000"/>
+            </a:schemeClr>
+          </a:lnRef>
+          <a:fillRef idx="1">
+            <a:schemeClr val="accent1"/>
+          </a:fillRef>
+          <a:effectRef idx="0">
+            <a:schemeClr val="accent1"/>
+          </a:effectRef>
+          <a:fontRef idx="minor">
+            <a:schemeClr val="lt1"/>
+          </a:fontRef>
+        </p:style>
+        <p:txBody>
+          <a:bodyPr rtlCol="0" anchor="ctr"/>
+          <a:lstStyle/>
+          <a:p>
+            <a:pPr algn="ctr"/>
+            <a:endParaRPr lang="pl-PL">
+              <a:solidFill>
+                <a:srgbClr val="FF0000"/>
+              </a:solidFill>
+            </a:endParaRPr>
+          </a:p>
+        </p:txBody>
+      </p:sp>
+      <p:sp>
+        <p:nvSpPr>
+          <p:cNvPr id="41" name="Owal 40"/>
+          <p:cNvSpPr/>
+          <p:nvPr/>
+        </p:nvSpPr>
+        <p:spPr>
+          <a:xfrm>
+            <a:off x="5676900" y="2867025"/>
+            <a:ext cx="171450" cy="104775"/>
+          </a:xfrm>
+          <a:prstGeom prst="ellipse">
+            <a:avLst/>
+          </a:prstGeom>
+          <a:solidFill>
+            <a:srgbClr val="FF0000"/>
+          </a:solidFill>
+        </p:spPr>
+        <p:style>
+          <a:lnRef idx="2">
+            <a:schemeClr val="accent1">
+              <a:shade val="50000"/>
+            </a:schemeClr>
+          </a:lnRef>
+          <a:fillRef idx="1">
+            <a:schemeClr val="accent1"/>
+          </a:fillRef>
+          <a:effectRef idx="0">
+            <a:schemeClr val="accent1"/>
+          </a:effectRef>
+          <a:fontRef idx="minor">
+            <a:schemeClr val="lt1"/>
+          </a:fontRef>
+        </p:style>
+        <p:txBody>
+          <a:bodyPr rtlCol="0" anchor="ctr"/>
+          <a:lstStyle/>
+          <a:p>
+            <a:pPr algn="ctr"/>
+            <a:endParaRPr lang="pl-PL">
+              <a:solidFill>
+                <a:srgbClr val="FF0000"/>
+              </a:solidFill>
+            </a:endParaRPr>
+          </a:p>
+        </p:txBody>
+      </p:sp>
+      <p:sp>
+        <p:nvSpPr>
+          <p:cNvPr id="42" name="Owal 41"/>
+          <p:cNvSpPr/>
+          <p:nvPr/>
+        </p:nvSpPr>
+        <p:spPr>
+          <a:xfrm>
+            <a:off x="8805862" y="3652836"/>
+            <a:ext cx="171450" cy="104775"/>
+          </a:xfrm>
+          <a:prstGeom prst="ellipse">
+            <a:avLst/>
+          </a:prstGeom>
+          <a:solidFill>
+            <a:srgbClr val="FF0000"/>
+          </a:solidFill>
+        </p:spPr>
+        <p:style>
+          <a:lnRef idx="2">
+            <a:schemeClr val="accent1">
+              <a:shade val="50000"/>
+            </a:schemeClr>
+          </a:lnRef>
+          <a:fillRef idx="1">
+            <a:schemeClr val="accent1"/>
+          </a:fillRef>
+          <a:effectRef idx="0">
+            <a:schemeClr val="accent1"/>
+          </a:effectRef>
+          <a:fontRef idx="minor">
+            <a:schemeClr val="lt1"/>
+          </a:fontRef>
+        </p:style>
+        <p:txBody>
+          <a:bodyPr rtlCol="0" anchor="ctr"/>
+          <a:lstStyle/>
+          <a:p>
+            <a:pPr algn="ctr"/>
+            <a:endParaRPr lang="pl-PL">
+              <a:solidFill>
+                <a:srgbClr val="FF0000"/>
+              </a:solidFill>
+            </a:endParaRPr>
+          </a:p>
+        </p:txBody>
+      </p:sp>
+      <p:sp>
+        <p:nvSpPr>
+          <p:cNvPr id="43" name="Owal 42"/>
+          <p:cNvSpPr/>
+          <p:nvPr/>
+        </p:nvSpPr>
+        <p:spPr>
+          <a:xfrm>
+            <a:off x="8405812" y="3100387"/>
+            <a:ext cx="171450" cy="104775"/>
+          </a:xfrm>
+          <a:prstGeom prst="ellipse">
+            <a:avLst/>
+          </a:prstGeom>
+          <a:solidFill>
+            <a:srgbClr val="FF0000"/>
+          </a:solidFill>
+        </p:spPr>
+        <p:style>
+          <a:lnRef idx="2">
+            <a:schemeClr val="accent1">
+              <a:shade val="50000"/>
+            </a:schemeClr>
+          </a:lnRef>
+          <a:fillRef idx="1">
+            <a:schemeClr val="accent1"/>
+          </a:fillRef>
+          <a:effectRef idx="0">
+            <a:schemeClr val="accent1"/>
+          </a:effectRef>
+          <a:fontRef idx="minor">
+            <a:schemeClr val="lt1"/>
+          </a:fontRef>
+        </p:style>
+        <p:txBody>
+          <a:bodyPr rtlCol="0" anchor="ctr"/>
+          <a:lstStyle/>
+          <a:p>
+            <a:pPr algn="ctr"/>
+            <a:endParaRPr lang="pl-PL">
+              <a:solidFill>
+                <a:srgbClr val="FF0000"/>
+              </a:solidFill>
+            </a:endParaRPr>
+          </a:p>
+        </p:txBody>
+      </p:sp>
+      <p:sp>
+        <p:nvSpPr>
+          <p:cNvPr id="44" name="Owal 43"/>
+          <p:cNvSpPr/>
+          <p:nvPr/>
+        </p:nvSpPr>
+        <p:spPr>
+          <a:xfrm>
+            <a:off x="5857875" y="3890962"/>
+            <a:ext cx="171450" cy="104775"/>
+          </a:xfrm>
+          <a:prstGeom prst="ellipse">
+            <a:avLst/>
+          </a:prstGeom>
+          <a:solidFill>
+            <a:srgbClr val="92D050"/>
+          </a:solidFill>
+        </p:spPr>
+        <p:style>
+          <a:lnRef idx="2">
+            <a:schemeClr val="accent1">
+              <a:shade val="50000"/>
+            </a:schemeClr>
+          </a:lnRef>
+          <a:fillRef idx="1">
+            <a:schemeClr val="accent1"/>
+          </a:fillRef>
+          <a:effectRef idx="0">
+            <a:schemeClr val="accent1"/>
+          </a:effectRef>
+          <a:fontRef idx="minor">
+            <a:schemeClr val="lt1"/>
+          </a:fontRef>
+        </p:style>
+        <p:txBody>
+          <a:bodyPr rtlCol="0" anchor="ctr"/>
+          <a:lstStyle/>
+          <a:p>
+            <a:pPr algn="ctr"/>
+            <a:endParaRPr lang="pl-PL">
+              <a:solidFill>
+                <a:srgbClr val="FF0000"/>
+              </a:solidFill>
+            </a:endParaRPr>
+          </a:p>
+        </p:txBody>
+      </p:sp>
+      <p:sp>
+        <p:nvSpPr>
+          <p:cNvPr id="45" name="Owal 44"/>
+          <p:cNvSpPr/>
+          <p:nvPr/>
+        </p:nvSpPr>
+        <p:spPr>
+          <a:xfrm>
+            <a:off x="5876925" y="4614863"/>
+            <a:ext cx="171450" cy="104775"/>
+          </a:xfrm>
+          <a:prstGeom prst="ellipse">
+            <a:avLst/>
+          </a:prstGeom>
+          <a:solidFill>
+            <a:srgbClr val="92D050"/>
+          </a:solidFill>
+        </p:spPr>
+        <p:style>
+          <a:lnRef idx="2">
+            <a:schemeClr val="accent1">
+              <a:shade val="50000"/>
+            </a:schemeClr>
+          </a:lnRef>
+          <a:fillRef idx="1">
+            <a:schemeClr val="accent1"/>
+          </a:fillRef>
+          <a:effectRef idx="0">
+            <a:schemeClr val="accent1"/>
+          </a:effectRef>
+          <a:fontRef idx="minor">
+            <a:schemeClr val="lt1"/>
+          </a:fontRef>
+        </p:style>
+        <p:txBody>
+          <a:bodyPr rtlCol="0" anchor="ctr"/>
+          <a:lstStyle/>
+          <a:p>
+            <a:pPr algn="ctr"/>
+            <a:endParaRPr lang="pl-PL">
+              <a:solidFill>
+                <a:srgbClr val="FF0000"/>
+              </a:solidFill>
+            </a:endParaRPr>
+          </a:p>
+        </p:txBody>
+      </p:sp>
+      <p:sp>
+        <p:nvSpPr>
+          <p:cNvPr id="47" name="Owal 46"/>
+          <p:cNvSpPr/>
+          <p:nvPr/>
+        </p:nvSpPr>
+        <p:spPr>
+          <a:xfrm>
+            <a:off x="6343650" y="3838575"/>
+            <a:ext cx="171450" cy="104775"/>
+          </a:xfrm>
+          <a:prstGeom prst="ellipse">
+            <a:avLst/>
+          </a:prstGeom>
+          <a:solidFill>
+            <a:srgbClr val="92D050"/>
+          </a:solidFill>
+        </p:spPr>
+        <p:style>
+          <a:lnRef idx="2">
+            <a:schemeClr val="accent1">
+              <a:shade val="50000"/>
+            </a:schemeClr>
+          </a:lnRef>
+          <a:fillRef idx="1">
+            <a:schemeClr val="accent1"/>
+          </a:fillRef>
+          <a:effectRef idx="0">
+            <a:schemeClr val="accent1"/>
+          </a:effectRef>
+          <a:fontRef idx="minor">
+            <a:schemeClr val="lt1"/>
+          </a:fontRef>
+        </p:style>
+        <p:txBody>
+          <a:bodyPr rtlCol="0" anchor="ctr"/>
+          <a:lstStyle/>
+          <a:p>
+            <a:pPr algn="ctr"/>
+            <a:endParaRPr lang="pl-PL">
+              <a:solidFill>
+                <a:srgbClr val="FF0000"/>
+              </a:solidFill>
+            </a:endParaRPr>
+          </a:p>
+        </p:txBody>
+      </p:sp>
+      <p:sp>
+        <p:nvSpPr>
+          <p:cNvPr id="48" name="Owal 47"/>
+          <p:cNvSpPr/>
+          <p:nvPr/>
+        </p:nvSpPr>
+        <p:spPr>
+          <a:xfrm>
+            <a:off x="6457950" y="4562475"/>
+            <a:ext cx="171450" cy="104775"/>
+          </a:xfrm>
+          <a:prstGeom prst="ellipse">
+            <a:avLst/>
+          </a:prstGeom>
+          <a:solidFill>
+            <a:srgbClr val="92D050"/>
+          </a:solidFill>
+        </p:spPr>
+        <p:style>
+          <a:lnRef idx="2">
+            <a:schemeClr val="accent1">
+              <a:shade val="50000"/>
+            </a:schemeClr>
+          </a:lnRef>
+          <a:fillRef idx="1">
+            <a:schemeClr val="accent1"/>
+          </a:fillRef>
+          <a:effectRef idx="0">
+            <a:schemeClr val="accent1"/>
+          </a:effectRef>
+          <a:fontRef idx="minor">
+            <a:schemeClr val="lt1"/>
+          </a:fontRef>
+        </p:style>
+        <p:txBody>
+          <a:bodyPr rtlCol="0" anchor="ctr"/>
+          <a:lstStyle/>
+          <a:p>
+            <a:pPr algn="ctr"/>
+            <a:endParaRPr lang="pl-PL">
+              <a:solidFill>
+                <a:srgbClr val="FF0000"/>
+              </a:solidFill>
+            </a:endParaRPr>
+          </a:p>
+        </p:txBody>
+      </p:sp>
+      <p:sp>
+        <p:nvSpPr>
+          <p:cNvPr id="50" name="Owal 49"/>
+          <p:cNvSpPr/>
+          <p:nvPr/>
+        </p:nvSpPr>
+        <p:spPr>
+          <a:xfrm>
+            <a:off x="6824662" y="3729037"/>
+            <a:ext cx="171450" cy="104775"/>
+          </a:xfrm>
+          <a:prstGeom prst="ellipse">
+            <a:avLst/>
+          </a:prstGeom>
+          <a:solidFill>
+            <a:srgbClr val="92D050"/>
+          </a:solidFill>
+        </p:spPr>
+        <p:style>
+          <a:lnRef idx="2">
+            <a:schemeClr val="accent1">
+              <a:shade val="50000"/>
+            </a:schemeClr>
+          </a:lnRef>
+          <a:fillRef idx="1">
+            <a:schemeClr val="accent1"/>
+          </a:fillRef>
+          <a:effectRef idx="0">
+            <a:schemeClr val="accent1"/>
+          </a:effectRef>
+          <a:fontRef idx="minor">
+            <a:schemeClr val="lt1"/>
+          </a:fontRef>
+        </p:style>
+        <p:txBody>
+          <a:bodyPr rtlCol="0" anchor="ctr"/>
+          <a:lstStyle/>
+          <a:p>
+            <a:pPr algn="ctr"/>
+            <a:endParaRPr lang="pl-PL">
+              <a:solidFill>
+                <a:srgbClr val="FF0000"/>
+              </a:solidFill>
+            </a:endParaRPr>
+          </a:p>
+        </p:txBody>
+      </p:sp>
+      <p:sp>
+        <p:nvSpPr>
+          <p:cNvPr id="51" name="Owal 50"/>
+          <p:cNvSpPr/>
+          <p:nvPr/>
+        </p:nvSpPr>
+        <p:spPr>
+          <a:xfrm>
+            <a:off x="7010400" y="4471987"/>
+            <a:ext cx="171450" cy="104775"/>
+          </a:xfrm>
+          <a:prstGeom prst="ellipse">
+            <a:avLst/>
+          </a:prstGeom>
+          <a:solidFill>
+            <a:srgbClr val="92D050"/>
+          </a:solidFill>
+        </p:spPr>
+        <p:style>
+          <a:lnRef idx="2">
+            <a:schemeClr val="accent1">
+              <a:shade val="50000"/>
+            </a:schemeClr>
+          </a:lnRef>
+          <a:fillRef idx="1">
+            <a:schemeClr val="accent1"/>
+          </a:fillRef>
+          <a:effectRef idx="0">
+            <a:schemeClr val="accent1"/>
+          </a:effectRef>
+          <a:fontRef idx="minor">
+            <a:schemeClr val="lt1"/>
+          </a:fontRef>
+        </p:style>
+        <p:txBody>
+          <a:bodyPr rtlCol="0" anchor="ctr"/>
+          <a:lstStyle/>
+          <a:p>
+            <a:pPr algn="ctr"/>
+            <a:endParaRPr lang="pl-PL">
+              <a:solidFill>
+                <a:srgbClr val="FF0000"/>
+              </a:solidFill>
+            </a:endParaRPr>
+          </a:p>
+        </p:txBody>
+      </p:sp>
+      <p:sp>
+        <p:nvSpPr>
+          <p:cNvPr id="53" name="Owal 52"/>
+          <p:cNvSpPr/>
+          <p:nvPr/>
+        </p:nvSpPr>
+        <p:spPr>
+          <a:xfrm>
+            <a:off x="7277100" y="3614736"/>
+            <a:ext cx="171450" cy="104775"/>
+          </a:xfrm>
+          <a:prstGeom prst="ellipse">
+            <a:avLst/>
+          </a:prstGeom>
+          <a:solidFill>
+            <a:srgbClr val="92D050"/>
+          </a:solidFill>
+        </p:spPr>
+        <p:style>
+          <a:lnRef idx="2">
+            <a:schemeClr val="accent1">
+              <a:shade val="50000"/>
+            </a:schemeClr>
+          </a:lnRef>
+          <a:fillRef idx="1">
+            <a:schemeClr val="accent1"/>
+          </a:fillRef>
+          <a:effectRef idx="0">
+            <a:schemeClr val="accent1"/>
+          </a:effectRef>
+          <a:fontRef idx="minor">
+            <a:schemeClr val="lt1"/>
+          </a:fontRef>
+        </p:style>
+        <p:txBody>
+          <a:bodyPr rtlCol="0" anchor="ctr"/>
+          <a:lstStyle/>
+          <a:p>
+            <a:pPr algn="ctr"/>
+            <a:endParaRPr lang="pl-PL">
+              <a:solidFill>
+                <a:srgbClr val="FF0000"/>
+              </a:solidFill>
+            </a:endParaRPr>
+          </a:p>
+        </p:txBody>
+      </p:sp>
+      <p:sp>
+        <p:nvSpPr>
+          <p:cNvPr id="54" name="Owal 53"/>
+          <p:cNvSpPr/>
+          <p:nvPr/>
+        </p:nvSpPr>
+        <p:spPr>
+          <a:xfrm>
+            <a:off x="7543800" y="4300536"/>
+            <a:ext cx="171450" cy="104775"/>
+          </a:xfrm>
+          <a:prstGeom prst="ellipse">
+            <a:avLst/>
+          </a:prstGeom>
+          <a:solidFill>
+            <a:srgbClr val="92D050"/>
+          </a:solidFill>
+        </p:spPr>
+        <p:style>
+          <a:lnRef idx="2">
+            <a:schemeClr val="accent1">
+              <a:shade val="50000"/>
+            </a:schemeClr>
+          </a:lnRef>
+          <a:fillRef idx="1">
+            <a:schemeClr val="accent1"/>
+          </a:fillRef>
+          <a:effectRef idx="0">
+            <a:schemeClr val="accent1"/>
+          </a:effectRef>
+          <a:fontRef idx="minor">
+            <a:schemeClr val="lt1"/>
+          </a:fontRef>
+        </p:style>
+        <p:txBody>
+          <a:bodyPr rtlCol="0" anchor="ctr"/>
+          <a:lstStyle/>
+          <a:p>
+            <a:pPr algn="ctr"/>
+            <a:endParaRPr lang="pl-PL">
+              <a:solidFill>
+                <a:srgbClr val="FF0000"/>
+              </a:solidFill>
+            </a:endParaRPr>
+          </a:p>
+        </p:txBody>
+      </p:sp>
       <p:cxnSp>
         <p:nvCxnSpPr>
-          <p:cNvPr id="3" name="Łącznik prosty 2"/>
-          <p:cNvCxnSpPr/>
+          <p:cNvPr id="28" name="Łącznik prosty ze strzałką 27"/>
+          <p:cNvCxnSpPr>
+            <a:cxnSpLocks/>
+          </p:cNvCxnSpPr>
           <p:nvPr/>
         </p:nvCxnSpPr>
         <p:spPr>
-          <a:xfrm>
-            <a:off x="958850" y="2247900"/>
-            <a:ext cx="0" cy="2952750"/>
-          </a:xfrm>
-          <a:prstGeom prst="line">
-            <a:avLst/>
-          </a:prstGeom>
-          <a:ln w="57150"/>
+          <a:xfrm flipV="1">
+            <a:off x="5939825" y="3313747"/>
+            <a:ext cx="190501" cy="628650"/>
+          </a:xfrm>
+          <a:prstGeom prst="straightConnector1">
+            <a:avLst/>
+          </a:prstGeom>
+          <a:ln w="57150">
+            <a:solidFill>
+              <a:schemeClr val="bg2">
+                <a:lumMod val="10000"/>
+              </a:schemeClr>
+            </a:solidFill>
+            <a:tailEnd type="triangle"/>
+          </a:ln>
         </p:spPr>
         <p:style>
           <a:lnRef idx="1">
@@ -7788,10 +9754,443 @@
           </a:fontRef>
         </p:style>
       </p:cxnSp>
+      <p:cxnSp>
+        <p:nvCxnSpPr>
+          <p:cNvPr id="55" name="Łącznik prosty ze strzałką 54"/>
+          <p:cNvCxnSpPr>
+            <a:cxnSpLocks/>
+          </p:cNvCxnSpPr>
+          <p:nvPr/>
+        </p:nvCxnSpPr>
+        <p:spPr>
+          <a:xfrm flipV="1">
+            <a:off x="6436994" y="3278026"/>
+            <a:ext cx="190501" cy="628650"/>
+          </a:xfrm>
+          <a:prstGeom prst="straightConnector1">
+            <a:avLst/>
+          </a:prstGeom>
+          <a:ln w="57150">
+            <a:solidFill>
+              <a:schemeClr val="bg2">
+                <a:lumMod val="10000"/>
+              </a:schemeClr>
+            </a:solidFill>
+            <a:tailEnd type="triangle"/>
+          </a:ln>
+        </p:spPr>
+        <p:style>
+          <a:lnRef idx="1">
+            <a:schemeClr val="accent1"/>
+          </a:lnRef>
+          <a:fillRef idx="0">
+            <a:schemeClr val="accent1"/>
+          </a:fillRef>
+          <a:effectRef idx="0">
+            <a:schemeClr val="accent1"/>
+          </a:effectRef>
+          <a:fontRef idx="minor">
+            <a:schemeClr val="tx1"/>
+          </a:fontRef>
+        </p:style>
+      </p:cxnSp>
+      <p:sp>
+        <p:nvSpPr>
+          <p:cNvPr id="56" name="pole tekstowe 55"/>
+          <p:cNvSpPr txBox="1"/>
+          <p:nvPr/>
+        </p:nvSpPr>
+        <p:spPr>
+          <a:xfrm>
+            <a:off x="6721751" y="2957273"/>
+            <a:ext cx="572529" cy="369332"/>
+          </a:xfrm>
+          <a:prstGeom prst="rect">
+            <a:avLst/>
+          </a:prstGeom>
+          <a:noFill/>
+        </p:spPr>
+        <p:txBody>
+          <a:bodyPr wrap="none" rtlCol="0">
+            <a:spAutoFit/>
+          </a:bodyPr>
+          <a:lstStyle/>
+          <a:p>
+            <a:r>
+              <a:rPr lang="pl-PL" dirty="0"/>
+              <a:t>I</a:t>
+            </a:r>
+            <a:r>
+              <a:rPr lang="pl-PL" baseline="-25000" dirty="0"/>
+              <a:t>(j-1)k</a:t>
+            </a:r>
+          </a:p>
+        </p:txBody>
+      </p:sp>
+      <p:sp>
+        <p:nvSpPr>
+          <p:cNvPr id="58" name="pole tekstowe 57"/>
+          <p:cNvSpPr txBox="1"/>
+          <p:nvPr/>
+        </p:nvSpPr>
+        <p:spPr>
+          <a:xfrm>
+            <a:off x="5309652" y="3731714"/>
+            <a:ext cx="436338" cy="369332"/>
+          </a:xfrm>
+          <a:prstGeom prst="rect">
+            <a:avLst/>
+          </a:prstGeom>
+          <a:noFill/>
+        </p:spPr>
+        <p:txBody>
+          <a:bodyPr wrap="none" rtlCol="0">
+            <a:spAutoFit/>
+          </a:bodyPr>
+          <a:lstStyle/>
+          <a:p>
+            <a:r>
+              <a:rPr lang="el-GR" dirty="0"/>
+              <a:t>Δ</a:t>
+            </a:r>
+            <a:r>
+              <a:rPr lang="pl-PL" dirty="0"/>
+              <a:t>p</a:t>
+            </a:r>
+            <a:endParaRPr lang="pl-PL" baseline="-25000" dirty="0"/>
+          </a:p>
+        </p:txBody>
+      </p:sp>
+      <p:sp>
+        <p:nvSpPr>
+          <p:cNvPr id="59" name="pole tekstowe 58"/>
+          <p:cNvSpPr txBox="1"/>
+          <p:nvPr/>
+        </p:nvSpPr>
+        <p:spPr>
+          <a:xfrm>
+            <a:off x="5764147" y="4203739"/>
+            <a:ext cx="431528" cy="369332"/>
+          </a:xfrm>
+          <a:prstGeom prst="rect">
+            <a:avLst/>
+          </a:prstGeom>
+          <a:noFill/>
+        </p:spPr>
+        <p:txBody>
+          <a:bodyPr wrap="none" rtlCol="0">
+            <a:spAutoFit/>
+          </a:bodyPr>
+          <a:lstStyle/>
+          <a:p>
+            <a:r>
+              <a:rPr lang="el-GR" dirty="0"/>
+              <a:t>Δ</a:t>
+            </a:r>
+            <a:r>
+              <a:rPr lang="pl-PL" dirty="0" err="1"/>
+              <a:t>r</a:t>
+            </a:r>
+            <a:r>
+              <a:rPr lang="pl-PL" baseline="-25000" dirty="0" err="1"/>
+              <a:t>j</a:t>
+            </a:r>
+            <a:endParaRPr lang="pl-PL" baseline="-25000" dirty="0"/>
+          </a:p>
+        </p:txBody>
+      </p:sp>
+      <p:sp>
+        <p:nvSpPr>
+          <p:cNvPr id="60" name="pole tekstowe 59"/>
+          <p:cNvSpPr txBox="1"/>
+          <p:nvPr/>
+        </p:nvSpPr>
+        <p:spPr>
+          <a:xfrm>
+            <a:off x="5335812" y="4399478"/>
+            <a:ext cx="436338" cy="369332"/>
+          </a:xfrm>
+          <a:prstGeom prst="rect">
+            <a:avLst/>
+          </a:prstGeom>
+          <a:noFill/>
+        </p:spPr>
+        <p:txBody>
+          <a:bodyPr wrap="none" rtlCol="0">
+            <a:spAutoFit/>
+          </a:bodyPr>
+          <a:lstStyle/>
+          <a:p>
+            <a:r>
+              <a:rPr lang="el-GR" dirty="0"/>
+              <a:t>Δ</a:t>
+            </a:r>
+            <a:r>
+              <a:rPr lang="pl-PL" dirty="0"/>
+              <a:t>p</a:t>
+            </a:r>
+            <a:endParaRPr lang="pl-PL" baseline="-25000" dirty="0"/>
+          </a:p>
+        </p:txBody>
+      </p:sp>
+      <p:sp>
+        <p:nvSpPr>
+          <p:cNvPr id="61" name="pole tekstowe 60"/>
+          <p:cNvSpPr txBox="1"/>
+          <p:nvPr/>
+        </p:nvSpPr>
+        <p:spPr>
+          <a:xfrm>
+            <a:off x="5347831" y="3076812"/>
+            <a:ext cx="436338" cy="369332"/>
+          </a:xfrm>
+          <a:prstGeom prst="rect">
+            <a:avLst/>
+          </a:prstGeom>
+          <a:noFill/>
+        </p:spPr>
+        <p:txBody>
+          <a:bodyPr wrap="none" rtlCol="0">
+            <a:spAutoFit/>
+          </a:bodyPr>
+          <a:lstStyle/>
+          <a:p>
+            <a:r>
+              <a:rPr lang="el-GR" dirty="0"/>
+              <a:t>Δ</a:t>
+            </a:r>
+            <a:r>
+              <a:rPr lang="pl-PL" dirty="0"/>
+              <a:t>p</a:t>
+            </a:r>
+            <a:endParaRPr lang="pl-PL" baseline="-25000" dirty="0"/>
+          </a:p>
+        </p:txBody>
+      </p:sp>
+      <p:sp>
+        <p:nvSpPr>
+          <p:cNvPr id="62" name="pole tekstowe 61"/>
+          <p:cNvSpPr txBox="1"/>
+          <p:nvPr/>
+        </p:nvSpPr>
+        <p:spPr>
+          <a:xfrm>
+            <a:off x="5735815" y="4933472"/>
+            <a:ext cx="587020" cy="369332"/>
+          </a:xfrm>
+          <a:prstGeom prst="rect">
+            <a:avLst/>
+          </a:prstGeom>
+          <a:noFill/>
+        </p:spPr>
+        <p:txBody>
+          <a:bodyPr wrap="none" rtlCol="0">
+            <a:spAutoFit/>
+          </a:bodyPr>
+          <a:lstStyle/>
+          <a:p>
+            <a:r>
+              <a:rPr lang="el-GR" dirty="0"/>
+              <a:t>Δ</a:t>
+            </a:r>
+            <a:r>
+              <a:rPr lang="pl-PL" dirty="0"/>
+              <a:t>r</a:t>
+            </a:r>
+            <a:r>
+              <a:rPr lang="pl-PL" baseline="-25000" dirty="0"/>
+              <a:t>j+1</a:t>
+            </a:r>
+          </a:p>
+        </p:txBody>
+      </p:sp>
+      <p:sp>
+        <p:nvSpPr>
+          <p:cNvPr id="63" name="pole tekstowe 62"/>
+          <p:cNvSpPr txBox="1"/>
+          <p:nvPr/>
+        </p:nvSpPr>
+        <p:spPr>
+          <a:xfrm>
+            <a:off x="6353174" y="4900094"/>
+            <a:ext cx="587020" cy="369332"/>
+          </a:xfrm>
+          <a:prstGeom prst="rect">
+            <a:avLst/>
+          </a:prstGeom>
+          <a:noFill/>
+        </p:spPr>
+        <p:txBody>
+          <a:bodyPr wrap="none" rtlCol="0">
+            <a:spAutoFit/>
+          </a:bodyPr>
+          <a:lstStyle/>
+          <a:p>
+            <a:r>
+              <a:rPr lang="el-GR" dirty="0"/>
+              <a:t>Δ</a:t>
+            </a:r>
+            <a:r>
+              <a:rPr lang="pl-PL" dirty="0"/>
+              <a:t>r</a:t>
+            </a:r>
+            <a:r>
+              <a:rPr lang="pl-PL" baseline="-25000" dirty="0"/>
+              <a:t>j+1</a:t>
+            </a:r>
+          </a:p>
+        </p:txBody>
+      </p:sp>
+      <p:sp>
+        <p:nvSpPr>
+          <p:cNvPr id="64" name="pole tekstowe 63"/>
+          <p:cNvSpPr txBox="1"/>
+          <p:nvPr/>
+        </p:nvSpPr>
+        <p:spPr>
+          <a:xfrm>
+            <a:off x="6953249" y="4781552"/>
+            <a:ext cx="587020" cy="369332"/>
+          </a:xfrm>
+          <a:prstGeom prst="rect">
+            <a:avLst/>
+          </a:prstGeom>
+          <a:noFill/>
+        </p:spPr>
+        <p:txBody>
+          <a:bodyPr wrap="none" rtlCol="0">
+            <a:spAutoFit/>
+          </a:bodyPr>
+          <a:lstStyle/>
+          <a:p>
+            <a:r>
+              <a:rPr lang="el-GR" dirty="0"/>
+              <a:t>Δ</a:t>
+            </a:r>
+            <a:r>
+              <a:rPr lang="pl-PL" dirty="0"/>
+              <a:t>r</a:t>
+            </a:r>
+            <a:r>
+              <a:rPr lang="pl-PL" baseline="-25000" dirty="0"/>
+              <a:t>j+1</a:t>
+            </a:r>
+          </a:p>
+        </p:txBody>
+      </p:sp>
+      <p:sp>
+        <p:nvSpPr>
+          <p:cNvPr id="65" name="pole tekstowe 64"/>
+          <p:cNvSpPr txBox="1"/>
+          <p:nvPr/>
+        </p:nvSpPr>
+        <p:spPr>
+          <a:xfrm>
+            <a:off x="6324600" y="4150279"/>
+            <a:ext cx="431528" cy="369332"/>
+          </a:xfrm>
+          <a:prstGeom prst="rect">
+            <a:avLst/>
+          </a:prstGeom>
+          <a:noFill/>
+        </p:spPr>
+        <p:txBody>
+          <a:bodyPr wrap="none" rtlCol="0">
+            <a:spAutoFit/>
+          </a:bodyPr>
+          <a:lstStyle/>
+          <a:p>
+            <a:r>
+              <a:rPr lang="el-GR" dirty="0"/>
+              <a:t>Δ</a:t>
+            </a:r>
+            <a:r>
+              <a:rPr lang="pl-PL" dirty="0" err="1"/>
+              <a:t>r</a:t>
+            </a:r>
+            <a:r>
+              <a:rPr lang="pl-PL" baseline="-25000" dirty="0" err="1"/>
+              <a:t>j</a:t>
+            </a:r>
+            <a:endParaRPr lang="pl-PL" baseline="-25000" dirty="0"/>
+          </a:p>
+        </p:txBody>
+      </p:sp>
+      <p:sp>
+        <p:nvSpPr>
+          <p:cNvPr id="66" name="pole tekstowe 65"/>
+          <p:cNvSpPr txBox="1"/>
+          <p:nvPr/>
+        </p:nvSpPr>
+        <p:spPr>
+          <a:xfrm>
+            <a:off x="6891272" y="4059235"/>
+            <a:ext cx="431528" cy="369332"/>
+          </a:xfrm>
+          <a:prstGeom prst="rect">
+            <a:avLst/>
+          </a:prstGeom>
+          <a:noFill/>
+        </p:spPr>
+        <p:txBody>
+          <a:bodyPr wrap="none" rtlCol="0">
+            <a:spAutoFit/>
+          </a:bodyPr>
+          <a:lstStyle/>
+          <a:p>
+            <a:r>
+              <a:rPr lang="el-GR" dirty="0"/>
+              <a:t>Δ</a:t>
+            </a:r>
+            <a:r>
+              <a:rPr lang="pl-PL" dirty="0" err="1"/>
+              <a:t>r</a:t>
+            </a:r>
+            <a:r>
+              <a:rPr lang="pl-PL" baseline="-25000" dirty="0" err="1"/>
+              <a:t>j</a:t>
+            </a:r>
+            <a:endParaRPr lang="pl-PL" baseline="-25000" dirty="0"/>
+          </a:p>
+        </p:txBody>
+      </p:sp>
+      <p:sp>
+        <p:nvSpPr>
+          <p:cNvPr id="68" name="pole tekstowe 67"/>
+          <p:cNvSpPr txBox="1"/>
+          <p:nvPr/>
+        </p:nvSpPr>
+        <p:spPr>
+          <a:xfrm>
+            <a:off x="6001752" y="2952809"/>
+            <a:ext cx="820994" cy="369332"/>
+          </a:xfrm>
+          <a:prstGeom prst="rect">
+            <a:avLst/>
+          </a:prstGeom>
+          <a:noFill/>
+        </p:spPr>
+        <p:txBody>
+          <a:bodyPr wrap="none" rtlCol="0">
+            <a:spAutoFit/>
+          </a:bodyPr>
+          <a:lstStyle/>
+          <a:p>
+            <a:r>
+              <a:rPr lang="pl-PL" dirty="0"/>
+              <a:t>I</a:t>
+            </a:r>
+            <a:r>
+              <a:rPr lang="pl-PL" baseline="-25000" dirty="0"/>
+              <a:t>(j-1)(k+1)</a:t>
+            </a:r>
+          </a:p>
+        </p:txBody>
+      </p:sp>
     </p:spTree>
     <p:extLst>
       <p:ext uri="{BB962C8B-B14F-4D97-AF65-F5344CB8AC3E}">
-        <p14:creationId xmlns:p14="http://schemas.microsoft.com/office/powerpoint/2010/main" val="1451352785"/>
+        <p14:creationId xmlns:p14="http://schemas.microsoft.com/office/powerpoint/2010/main" val="3283707475"/>
       </p:ext>
     </p:extLst>
   </p:cSld>
